--- a/Презентация Диаграмм.pptx
+++ b/Презентация Диаграмм.pptx
@@ -1,35 +1,36 @@
 
 <file path=ppt/presentation.xml><?xml version="1.0" encoding="utf-8"?>
-<p:presentation xmlns:a="http://schemas.openxmlformats.org/drawingml/2006/main" xmlns:r="http://schemas.openxmlformats.org/officeDocument/2006/relationships" xmlns:mc="http://schemas.openxmlformats.org/markup-compatibility/2006" xmlns:mv="urn:schemas-microsoft-com:mac:vml" xmlns:p="http://schemas.openxmlformats.org/presentationml/2006/main" xmlns:c="http://schemas.openxmlformats.org/drawingml/2006/chart" xmlns:dgm="http://schemas.openxmlformats.org/drawingml/2006/diagram" xmlns:o="urn:schemas-microsoft-com:office:office" xmlns:v="urn:schemas-microsoft-com:vml" xmlns:pvml="urn:schemas-microsoft-com:office:powerpoint" xmlns:com="http://schemas.openxmlformats.org/drawingml/2006/compatibility" xmlns:p14="http://schemas.microsoft.com/office/powerpoint/2010/main" xmlns:p15="http://schemas.microsoft.com/office/powerpoint/2012/main" xmlns:ahyp="http://schemas.microsoft.com/office/drawing/2018/hyperlinkcolor" autoCompressPictures="0" embedTrueTypeFonts="1" strictFirstAndLastChars="0" saveSubsetFonts="1">
+<p:presentation xmlns:a="http://schemas.openxmlformats.org/drawingml/2006/main" xmlns:r="http://schemas.openxmlformats.org/officeDocument/2006/relationships" xmlns:p="http://schemas.openxmlformats.org/presentationml/2006/main" strictFirstAndLastChars="0" embedTrueTypeFonts="1" saveSubsetFonts="1" autoCompressPictures="0">
   <p:sldMasterIdLst>
-    <p:sldMasterId id="2147483659" r:id="rId4"/>
+    <p:sldMasterId id="2147483659" r:id="rId1"/>
   </p:sldMasterIdLst>
   <p:notesMasterIdLst>
-    <p:notesMasterId r:id="rId5"/>
+    <p:notesMasterId r:id="rId7"/>
   </p:notesMasterIdLst>
   <p:sldIdLst>
-    <p:sldId id="256" r:id="rId6"/>
-    <p:sldId id="257" r:id="rId7"/>
-    <p:sldId id="258" r:id="rId8"/>
-    <p:sldId id="259" r:id="rId9"/>
+    <p:sldId id="256" r:id="rId2"/>
+    <p:sldId id="257" r:id="rId3"/>
+    <p:sldId id="258" r:id="rId4"/>
+    <p:sldId id="259" r:id="rId5"/>
+    <p:sldId id="260" r:id="rId6"/>
   </p:sldIdLst>
-  <p:sldSz cy="5143500" cx="9144000"/>
+  <p:sldSz cx="9144000" cy="5143500" type="screen16x9"/>
   <p:notesSz cx="6858000" cy="9144000"/>
   <p:embeddedFontLst>
     <p:embeddedFont>
-      <p:font typeface="Proxima Nova"/>
-      <p:regular r:id="rId10"/>
-      <p:bold r:id="rId11"/>
-      <p:italic r:id="rId12"/>
-      <p:boldItalic r:id="rId13"/>
+      <p:font typeface="Proxima Nova" panose="020B0604020202020204" charset="0"/>
+      <p:regular r:id="rId8"/>
+      <p:bold r:id="rId9"/>
+      <p:italic r:id="rId10"/>
+      <p:boldItalic r:id="rId11"/>
     </p:embeddedFont>
     <p:embeddedFont>
-      <p:font typeface="Alfa Slab One"/>
-      <p:regular r:id="rId14"/>
+      <p:font typeface="Alfa Slab One" panose="020B0604020202020204" charset="0"/>
+      <p:regular r:id="rId12"/>
     </p:embeddedFont>
   </p:embeddedFontLst>
   <p:defaultTextStyle>
-    <a:defPPr lvl="0" marR="0" rtl="0" algn="l">
+    <a:defPPr marR="0" lvl="0" algn="l" rtl="0">
       <a:lnSpc>
         <a:spcPct val="100000"/>
       </a:lnSpc>
@@ -40,7 +41,7 @@
         <a:spcPts val="0"/>
       </a:spcAft>
     </a:defPPr>
-    <a:lvl1pPr lvl="0" marR="0" rtl="0" algn="l">
+    <a:lvl1pPr marR="0" lvl="0" algn="l" rtl="0">
       <a:lnSpc>
         <a:spcPct val="100000"/>
       </a:lnSpc>
@@ -54,7 +55,7 @@
         <a:srgbClr val="000000"/>
       </a:buClr>
       <a:buFont typeface="Arial"/>
-      <a:defRPr b="0" i="0" sz="1400" u="none" cap="none" strike="noStrike">
+      <a:defRPr sz="1400" b="0" i="0" u="none" strike="noStrike" cap="none">
         <a:solidFill>
           <a:srgbClr val="000000"/>
         </a:solidFill>
@@ -64,7 +65,7 @@
         <a:sym typeface="Arial"/>
       </a:defRPr>
     </a:lvl1pPr>
-    <a:lvl2pPr lvl="1" marR="0" rtl="0" algn="l">
+    <a:lvl2pPr marR="0" lvl="1" algn="l" rtl="0">
       <a:lnSpc>
         <a:spcPct val="100000"/>
       </a:lnSpc>
@@ -78,7 +79,7 @@
         <a:srgbClr val="000000"/>
       </a:buClr>
       <a:buFont typeface="Arial"/>
-      <a:defRPr b="0" i="0" sz="1400" u="none" cap="none" strike="noStrike">
+      <a:defRPr sz="1400" b="0" i="0" u="none" strike="noStrike" cap="none">
         <a:solidFill>
           <a:srgbClr val="000000"/>
         </a:solidFill>
@@ -88,7 +89,7 @@
         <a:sym typeface="Arial"/>
       </a:defRPr>
     </a:lvl2pPr>
-    <a:lvl3pPr lvl="2" marR="0" rtl="0" algn="l">
+    <a:lvl3pPr marR="0" lvl="2" algn="l" rtl="0">
       <a:lnSpc>
         <a:spcPct val="100000"/>
       </a:lnSpc>
@@ -102,7 +103,7 @@
         <a:srgbClr val="000000"/>
       </a:buClr>
       <a:buFont typeface="Arial"/>
-      <a:defRPr b="0" i="0" sz="1400" u="none" cap="none" strike="noStrike">
+      <a:defRPr sz="1400" b="0" i="0" u="none" strike="noStrike" cap="none">
         <a:solidFill>
           <a:srgbClr val="000000"/>
         </a:solidFill>
@@ -112,7 +113,7 @@
         <a:sym typeface="Arial"/>
       </a:defRPr>
     </a:lvl3pPr>
-    <a:lvl4pPr lvl="3" marR="0" rtl="0" algn="l">
+    <a:lvl4pPr marR="0" lvl="3" algn="l" rtl="0">
       <a:lnSpc>
         <a:spcPct val="100000"/>
       </a:lnSpc>
@@ -126,7 +127,7 @@
         <a:srgbClr val="000000"/>
       </a:buClr>
       <a:buFont typeface="Arial"/>
-      <a:defRPr b="0" i="0" sz="1400" u="none" cap="none" strike="noStrike">
+      <a:defRPr sz="1400" b="0" i="0" u="none" strike="noStrike" cap="none">
         <a:solidFill>
           <a:srgbClr val="000000"/>
         </a:solidFill>
@@ -136,7 +137,7 @@
         <a:sym typeface="Arial"/>
       </a:defRPr>
     </a:lvl4pPr>
-    <a:lvl5pPr lvl="4" marR="0" rtl="0" algn="l">
+    <a:lvl5pPr marR="0" lvl="4" algn="l" rtl="0">
       <a:lnSpc>
         <a:spcPct val="100000"/>
       </a:lnSpc>
@@ -150,7 +151,7 @@
         <a:srgbClr val="000000"/>
       </a:buClr>
       <a:buFont typeface="Arial"/>
-      <a:defRPr b="0" i="0" sz="1400" u="none" cap="none" strike="noStrike">
+      <a:defRPr sz="1400" b="0" i="0" u="none" strike="noStrike" cap="none">
         <a:solidFill>
           <a:srgbClr val="000000"/>
         </a:solidFill>
@@ -160,7 +161,7 @@
         <a:sym typeface="Arial"/>
       </a:defRPr>
     </a:lvl5pPr>
-    <a:lvl6pPr lvl="5" marR="0" rtl="0" algn="l">
+    <a:lvl6pPr marR="0" lvl="5" algn="l" rtl="0">
       <a:lnSpc>
         <a:spcPct val="100000"/>
       </a:lnSpc>
@@ -174,7 +175,7 @@
         <a:srgbClr val="000000"/>
       </a:buClr>
       <a:buFont typeface="Arial"/>
-      <a:defRPr b="0" i="0" sz="1400" u="none" cap="none" strike="noStrike">
+      <a:defRPr sz="1400" b="0" i="0" u="none" strike="noStrike" cap="none">
         <a:solidFill>
           <a:srgbClr val="000000"/>
         </a:solidFill>
@@ -184,7 +185,7 @@
         <a:sym typeface="Arial"/>
       </a:defRPr>
     </a:lvl6pPr>
-    <a:lvl7pPr lvl="6" marR="0" rtl="0" algn="l">
+    <a:lvl7pPr marR="0" lvl="6" algn="l" rtl="0">
       <a:lnSpc>
         <a:spcPct val="100000"/>
       </a:lnSpc>
@@ -198,7 +199,7 @@
         <a:srgbClr val="000000"/>
       </a:buClr>
       <a:buFont typeface="Arial"/>
-      <a:defRPr b="0" i="0" sz="1400" u="none" cap="none" strike="noStrike">
+      <a:defRPr sz="1400" b="0" i="0" u="none" strike="noStrike" cap="none">
         <a:solidFill>
           <a:srgbClr val="000000"/>
         </a:solidFill>
@@ -208,7 +209,7 @@
         <a:sym typeface="Arial"/>
       </a:defRPr>
     </a:lvl7pPr>
-    <a:lvl8pPr lvl="7" marR="0" rtl="0" algn="l">
+    <a:lvl8pPr marR="0" lvl="7" algn="l" rtl="0">
       <a:lnSpc>
         <a:spcPct val="100000"/>
       </a:lnSpc>
@@ -222,7 +223,7 @@
         <a:srgbClr val="000000"/>
       </a:buClr>
       <a:buFont typeface="Arial"/>
-      <a:defRPr b="0" i="0" sz="1400" u="none" cap="none" strike="noStrike">
+      <a:defRPr sz="1400" b="0" i="0" u="none" strike="noStrike" cap="none">
         <a:solidFill>
           <a:srgbClr val="000000"/>
         </a:solidFill>
@@ -232,7 +233,7 @@
         <a:sym typeface="Arial"/>
       </a:defRPr>
     </a:lvl8pPr>
-    <a:lvl9pPr lvl="8" marR="0" rtl="0" algn="l">
+    <a:lvl9pPr marR="0" lvl="8" algn="l" rtl="0">
       <a:lnSpc>
         <a:spcPct val="100000"/>
       </a:lnSpc>
@@ -246,7 +247,7 @@
         <a:srgbClr val="000000"/>
       </a:buClr>
       <a:buFont typeface="Arial"/>
-      <a:defRPr b="0" i="0" sz="1400" u="none" cap="none" strike="noStrike">
+      <a:defRPr sz="1400" b="0" i="0" u="none" strike="noStrike" cap="none">
         <a:solidFill>
           <a:srgbClr val="000000"/>
         </a:solidFill>
@@ -259,7 +260,7 @@
   </p:defaultTextStyle>
   <p:extLst>
     <p:ext uri="{EFAFB233-063F-42B5-8137-9DF3F51BA10A}">
-      <p15:sldGuideLst>
+      <p15:sldGuideLst xmlns:p15="http://schemas.microsoft.com/office/powerpoint/2012/main">
         <p15:guide id="1" orient="horz" pos="1620">
           <p15:clr>
             <a:srgbClr val="747775"/>
@@ -277,11 +278,16 @@
 </file>
 
 <file path=ppt/notesMasters/notesMaster1.xml><?xml version="1.0" encoding="utf-8"?>
-<p:notesMaster xmlns:a="http://schemas.openxmlformats.org/drawingml/2006/main" xmlns:r="http://schemas.openxmlformats.org/officeDocument/2006/relationships" xmlns:mc="http://schemas.openxmlformats.org/markup-compatibility/2006" xmlns:mv="urn:schemas-microsoft-com:mac:vml" xmlns:p="http://schemas.openxmlformats.org/presentationml/2006/main" xmlns:c="http://schemas.openxmlformats.org/drawingml/2006/chart" xmlns:dgm="http://schemas.openxmlformats.org/drawingml/2006/diagram" xmlns:o="urn:schemas-microsoft-com:office:office" xmlns:v="urn:schemas-microsoft-com:vml" xmlns:pvml="urn:schemas-microsoft-com:office:powerpoint" xmlns:com="http://schemas.openxmlformats.org/drawingml/2006/compatibility" xmlns:p14="http://schemas.microsoft.com/office/powerpoint/2010/main" xmlns:p15="http://schemas.microsoft.com/office/powerpoint/2012/main" xmlns:ahyp="http://schemas.microsoft.com/office/drawing/2018/hyperlinkcolor">
+<p:notesMaster xmlns:a="http://schemas.openxmlformats.org/drawingml/2006/main" xmlns:r="http://schemas.openxmlformats.org/officeDocument/2006/relationships" xmlns:p="http://schemas.openxmlformats.org/presentationml/2006/main">
   <p:cSld>
+    <p:bg>
+      <p:bgRef idx="1001">
+        <a:schemeClr val="bg1"/>
+      </p:bgRef>
+    </p:bg>
     <p:spTree>
       <p:nvGrpSpPr>
-        <p:cNvPr id="2" name="Shape 2"/>
+        <p:cNvPr id="1" name="Shape 2"/>
         <p:cNvGrpSpPr/>
         <p:nvPr/>
       </p:nvGrpSpPr>
@@ -296,9 +302,11 @@
       <p:sp>
         <p:nvSpPr>
           <p:cNvPr id="3" name="Google Shape;3;n"/>
-          <p:cNvSpPr/>
+          <p:cNvSpPr>
+            <a:spLocks noGrp="1" noRot="1" noChangeAspect="1"/>
+          </p:cNvSpPr>
           <p:nvPr>
-            <p:ph idx="2" type="sldImg"/>
+            <p:ph type="sldImg" idx="2"/>
           </p:nvPr>
         </p:nvSpPr>
         <p:spPr>
@@ -307,9 +315,13 @@
             <a:ext cx="6096075" cy="3429000"/>
           </a:xfrm>
           <a:custGeom>
-            <a:rect b="b" l="l" r="r" t="t"/>
+            <a:avLst/>
+            <a:gdLst/>
+            <a:ahLst/>
+            <a:cxnLst/>
+            <a:rect l="l" t="t" r="r" b="b"/>
             <a:pathLst>
-              <a:path extrusionOk="0" h="120000" w="120000">
+              <a:path w="120000" h="120000" extrusionOk="0">
                 <a:moveTo>
                   <a:pt x="0" y="0"/>
                 </a:moveTo>
@@ -327,23 +339,25 @@
             </a:pathLst>
           </a:custGeom>
           <a:noFill/>
-          <a:ln cap="flat" cmpd="sng" w="9525">
+          <a:ln w="9525" cap="flat" cmpd="sng">
             <a:solidFill>
               <a:srgbClr val="000000"/>
             </a:solidFill>
             <a:prstDash val="solid"/>
             <a:round/>
-            <a:headEnd len="sm" w="sm" type="none"/>
-            <a:tailEnd len="sm" w="sm" type="none"/>
+            <a:headEnd type="none" w="sm" len="sm"/>
+            <a:tailEnd type="none" w="sm" len="sm"/>
           </a:ln>
         </p:spPr>
       </p:sp>
       <p:sp>
         <p:nvSpPr>
           <p:cNvPr id="4" name="Google Shape;4;n"/>
-          <p:cNvSpPr txBox="1"/>
+          <p:cNvSpPr txBox="1">
+            <a:spLocks noGrp="1"/>
+          </p:cNvSpPr>
           <p:nvPr>
-            <p:ph idx="1" type="body"/>
+            <p:ph type="body" idx="1"/>
           </p:nvPr>
         </p:nvSpPr>
         <p:spPr>
@@ -360,11 +374,11 @@
           </a:ln>
         </p:spPr>
         <p:txBody>
-          <a:bodyPr anchorCtr="0" anchor="t" bIns="91425" lIns="91425" spcFirstLastPara="1" rIns="91425" wrap="square" tIns="91425">
+          <a:bodyPr spcFirstLastPara="1" wrap="square" lIns="91425" tIns="91425" rIns="91425" bIns="91425" anchor="t" anchorCtr="0">
             <a:noAutofit/>
           </a:bodyPr>
           <a:lstStyle>
-            <a:lvl1pPr indent="-298450" lvl="0" marL="457200">
+            <a:lvl1pPr marL="457200" lvl="0" indent="-298450">
               <a:spcBef>
                 <a:spcPts val="0"/>
               </a:spcBef>
@@ -375,7 +389,7 @@
               <a:buChar char="●"/>
               <a:defRPr sz="1100"/>
             </a:lvl1pPr>
-            <a:lvl2pPr indent="-298450" lvl="1" marL="914400">
+            <a:lvl2pPr marL="914400" lvl="1" indent="-298450">
               <a:spcBef>
                 <a:spcPts val="0"/>
               </a:spcBef>
@@ -386,7 +400,7 @@
               <a:buChar char="○"/>
               <a:defRPr sz="1100"/>
             </a:lvl2pPr>
-            <a:lvl3pPr indent="-298450" lvl="2" marL="1371600">
+            <a:lvl3pPr marL="1371600" lvl="2" indent="-298450">
               <a:spcBef>
                 <a:spcPts val="0"/>
               </a:spcBef>
@@ -397,7 +411,7 @@
               <a:buChar char="■"/>
               <a:defRPr sz="1100"/>
             </a:lvl3pPr>
-            <a:lvl4pPr indent="-298450" lvl="3" marL="1828800">
+            <a:lvl4pPr marL="1828800" lvl="3" indent="-298450">
               <a:spcBef>
                 <a:spcPts val="0"/>
               </a:spcBef>
@@ -408,7 +422,7 @@
               <a:buChar char="●"/>
               <a:defRPr sz="1100"/>
             </a:lvl4pPr>
-            <a:lvl5pPr indent="-298450" lvl="4" marL="2286000">
+            <a:lvl5pPr marL="2286000" lvl="4" indent="-298450">
               <a:spcBef>
                 <a:spcPts val="0"/>
               </a:spcBef>
@@ -419,7 +433,7 @@
               <a:buChar char="○"/>
               <a:defRPr sz="1100"/>
             </a:lvl5pPr>
-            <a:lvl6pPr indent="-298450" lvl="5" marL="2743200">
+            <a:lvl6pPr marL="2743200" lvl="5" indent="-298450">
               <a:spcBef>
                 <a:spcPts val="0"/>
               </a:spcBef>
@@ -430,7 +444,7 @@
               <a:buChar char="■"/>
               <a:defRPr sz="1100"/>
             </a:lvl6pPr>
-            <a:lvl7pPr indent="-298450" lvl="6" marL="3200400">
+            <a:lvl7pPr marL="3200400" lvl="6" indent="-298450">
               <a:spcBef>
                 <a:spcPts val="0"/>
               </a:spcBef>
@@ -441,7 +455,7 @@
               <a:buChar char="●"/>
               <a:defRPr sz="1100"/>
             </a:lvl7pPr>
-            <a:lvl8pPr indent="-298450" lvl="7" marL="3657600">
+            <a:lvl8pPr marL="3657600" lvl="7" indent="-298450">
               <a:spcBef>
                 <a:spcPts val="0"/>
               </a:spcBef>
@@ -452,7 +466,7 @@
               <a:buChar char="○"/>
               <a:defRPr sz="1100"/>
             </a:lvl8pPr>
-            <a:lvl9pPr indent="-298450" lvl="8" marL="4114800">
+            <a:lvl9pPr marL="4114800" lvl="8" indent="-298450">
               <a:spcBef>
                 <a:spcPts val="0"/>
               </a:spcBef>
@@ -464,14 +478,21 @@
               <a:defRPr sz="1100"/>
             </a:lvl9pPr>
           </a:lstStyle>
-          <a:p/>
+          <a:p>
+            <a:endParaRPr/>
+          </a:p>
         </p:txBody>
       </p:sp>
     </p:spTree>
+    <p:extLst>
+      <p:ext uri="{BB962C8B-B14F-4D97-AF65-F5344CB8AC3E}">
+        <p14:creationId xmlns:p14="http://schemas.microsoft.com/office/powerpoint/2010/main" val="1020688589"/>
+      </p:ext>
+    </p:extLst>
   </p:cSld>
-  <p:clrMap accent1="accent1" accent2="accent2" accent3="accent3" accent4="accent4" accent5="accent5" accent6="accent6" bg1="lt1" bg2="dk2" tx1="dk1" tx2="lt2" folHlink="folHlink" hlink="hlink"/>
+  <p:clrMap bg1="lt1" tx1="dk1" bg2="dk2" tx2="lt2" accent1="accent1" accent2="accent2" accent3="accent3" accent4="accent4" accent5="accent5" accent6="accent6" hlink="hlink" folHlink="folHlink"/>
   <p:notesStyle>
-    <a:defPPr lvl="0" marR="0" rtl="0" algn="l">
+    <a:defPPr marR="0" lvl="0" algn="l" rtl="0">
       <a:lnSpc>
         <a:spcPct val="100000"/>
       </a:lnSpc>
@@ -482,7 +503,7 @@
         <a:spcPts val="0"/>
       </a:spcAft>
     </a:defPPr>
-    <a:lvl1pPr lvl="0" marR="0" rtl="0" algn="l">
+    <a:lvl1pPr marR="0" lvl="0" algn="l" rtl="0">
       <a:lnSpc>
         <a:spcPct val="100000"/>
       </a:lnSpc>
@@ -496,7 +517,7 @@
         <a:srgbClr val="000000"/>
       </a:buClr>
       <a:buFont typeface="Arial"/>
-      <a:defRPr b="0" i="0" sz="1400" u="none" cap="none" strike="noStrike">
+      <a:defRPr sz="1400" b="0" i="0" u="none" strike="noStrike" cap="none">
         <a:solidFill>
           <a:srgbClr val="000000"/>
         </a:solidFill>
@@ -506,7 +527,7 @@
         <a:sym typeface="Arial"/>
       </a:defRPr>
     </a:lvl1pPr>
-    <a:lvl2pPr lvl="1" marR="0" rtl="0" algn="l">
+    <a:lvl2pPr marR="0" lvl="1" algn="l" rtl="0">
       <a:lnSpc>
         <a:spcPct val="100000"/>
       </a:lnSpc>
@@ -520,7 +541,7 @@
         <a:srgbClr val="000000"/>
       </a:buClr>
       <a:buFont typeface="Arial"/>
-      <a:defRPr b="0" i="0" sz="1400" u="none" cap="none" strike="noStrike">
+      <a:defRPr sz="1400" b="0" i="0" u="none" strike="noStrike" cap="none">
         <a:solidFill>
           <a:srgbClr val="000000"/>
         </a:solidFill>
@@ -530,7 +551,7 @@
         <a:sym typeface="Arial"/>
       </a:defRPr>
     </a:lvl2pPr>
-    <a:lvl3pPr lvl="2" marR="0" rtl="0" algn="l">
+    <a:lvl3pPr marR="0" lvl="2" algn="l" rtl="0">
       <a:lnSpc>
         <a:spcPct val="100000"/>
       </a:lnSpc>
@@ -544,7 +565,7 @@
         <a:srgbClr val="000000"/>
       </a:buClr>
       <a:buFont typeface="Arial"/>
-      <a:defRPr b="0" i="0" sz="1400" u="none" cap="none" strike="noStrike">
+      <a:defRPr sz="1400" b="0" i="0" u="none" strike="noStrike" cap="none">
         <a:solidFill>
           <a:srgbClr val="000000"/>
         </a:solidFill>
@@ -554,7 +575,7 @@
         <a:sym typeface="Arial"/>
       </a:defRPr>
     </a:lvl3pPr>
-    <a:lvl4pPr lvl="3" marR="0" rtl="0" algn="l">
+    <a:lvl4pPr marR="0" lvl="3" algn="l" rtl="0">
       <a:lnSpc>
         <a:spcPct val="100000"/>
       </a:lnSpc>
@@ -568,7 +589,7 @@
         <a:srgbClr val="000000"/>
       </a:buClr>
       <a:buFont typeface="Arial"/>
-      <a:defRPr b="0" i="0" sz="1400" u="none" cap="none" strike="noStrike">
+      <a:defRPr sz="1400" b="0" i="0" u="none" strike="noStrike" cap="none">
         <a:solidFill>
           <a:srgbClr val="000000"/>
         </a:solidFill>
@@ -578,7 +599,7 @@
         <a:sym typeface="Arial"/>
       </a:defRPr>
     </a:lvl4pPr>
-    <a:lvl5pPr lvl="4" marR="0" rtl="0" algn="l">
+    <a:lvl5pPr marR="0" lvl="4" algn="l" rtl="0">
       <a:lnSpc>
         <a:spcPct val="100000"/>
       </a:lnSpc>
@@ -592,7 +613,7 @@
         <a:srgbClr val="000000"/>
       </a:buClr>
       <a:buFont typeface="Arial"/>
-      <a:defRPr b="0" i="0" sz="1400" u="none" cap="none" strike="noStrike">
+      <a:defRPr sz="1400" b="0" i="0" u="none" strike="noStrike" cap="none">
         <a:solidFill>
           <a:srgbClr val="000000"/>
         </a:solidFill>
@@ -602,7 +623,7 @@
         <a:sym typeface="Arial"/>
       </a:defRPr>
     </a:lvl5pPr>
-    <a:lvl6pPr lvl="5" marR="0" rtl="0" algn="l">
+    <a:lvl6pPr marR="0" lvl="5" algn="l" rtl="0">
       <a:lnSpc>
         <a:spcPct val="100000"/>
       </a:lnSpc>
@@ -616,7 +637,7 @@
         <a:srgbClr val="000000"/>
       </a:buClr>
       <a:buFont typeface="Arial"/>
-      <a:defRPr b="0" i="0" sz="1400" u="none" cap="none" strike="noStrike">
+      <a:defRPr sz="1400" b="0" i="0" u="none" strike="noStrike" cap="none">
         <a:solidFill>
           <a:srgbClr val="000000"/>
         </a:solidFill>
@@ -626,7 +647,7 @@
         <a:sym typeface="Arial"/>
       </a:defRPr>
     </a:lvl6pPr>
-    <a:lvl7pPr lvl="6" marR="0" rtl="0" algn="l">
+    <a:lvl7pPr marR="0" lvl="6" algn="l" rtl="0">
       <a:lnSpc>
         <a:spcPct val="100000"/>
       </a:lnSpc>
@@ -640,7 +661,7 @@
         <a:srgbClr val="000000"/>
       </a:buClr>
       <a:buFont typeface="Arial"/>
-      <a:defRPr b="0" i="0" sz="1400" u="none" cap="none" strike="noStrike">
+      <a:defRPr sz="1400" b="0" i="0" u="none" strike="noStrike" cap="none">
         <a:solidFill>
           <a:srgbClr val="000000"/>
         </a:solidFill>
@@ -650,7 +671,7 @@
         <a:sym typeface="Arial"/>
       </a:defRPr>
     </a:lvl7pPr>
-    <a:lvl8pPr lvl="7" marR="0" rtl="0" algn="l">
+    <a:lvl8pPr marR="0" lvl="7" algn="l" rtl="0">
       <a:lnSpc>
         <a:spcPct val="100000"/>
       </a:lnSpc>
@@ -664,7 +685,7 @@
         <a:srgbClr val="000000"/>
       </a:buClr>
       <a:buFont typeface="Arial"/>
-      <a:defRPr b="0" i="0" sz="1400" u="none" cap="none" strike="noStrike">
+      <a:defRPr sz="1400" b="0" i="0" u="none" strike="noStrike" cap="none">
         <a:solidFill>
           <a:srgbClr val="000000"/>
         </a:solidFill>
@@ -674,7 +695,7 @@
         <a:sym typeface="Arial"/>
       </a:defRPr>
     </a:lvl8pPr>
-    <a:lvl9pPr lvl="8" marR="0" rtl="0" algn="l">
+    <a:lvl9pPr marR="0" lvl="8" algn="l" rtl="0">
       <a:lnSpc>
         <a:spcPct val="100000"/>
       </a:lnSpc>
@@ -688,7 +709,7 @@
         <a:srgbClr val="000000"/>
       </a:buClr>
       <a:buFont typeface="Arial"/>
-      <a:defRPr b="0" i="0" sz="1400" u="none" cap="none" strike="noStrike">
+      <a:defRPr sz="1400" b="0" i="0" u="none" strike="noStrike" cap="none">
         <a:solidFill>
           <a:srgbClr val="000000"/>
         </a:solidFill>
@@ -703,11 +724,11 @@
 </file>
 
 <file path=ppt/notesSlides/notesSlide1.xml><?xml version="1.0" encoding="utf-8"?>
-<p:notes xmlns:a="http://schemas.openxmlformats.org/drawingml/2006/main" xmlns:r="http://schemas.openxmlformats.org/officeDocument/2006/relationships" xmlns:mc="http://schemas.openxmlformats.org/markup-compatibility/2006" xmlns:mv="urn:schemas-microsoft-com:mac:vml" xmlns:p="http://schemas.openxmlformats.org/presentationml/2006/main" xmlns:c="http://schemas.openxmlformats.org/drawingml/2006/chart" xmlns:dgm="http://schemas.openxmlformats.org/drawingml/2006/diagram" xmlns:o="urn:schemas-microsoft-com:office:office" xmlns:v="urn:schemas-microsoft-com:vml" xmlns:pvml="urn:schemas-microsoft-com:office:powerpoint" xmlns:com="http://schemas.openxmlformats.org/drawingml/2006/compatibility" xmlns:p14="http://schemas.microsoft.com/office/powerpoint/2010/main" xmlns:p15="http://schemas.microsoft.com/office/powerpoint/2012/main" xmlns:ahyp="http://schemas.microsoft.com/office/drawing/2018/hyperlinkcolor" showMasterPhAnim="0" showMasterSp="0">
+<p:notes xmlns:a="http://schemas.openxmlformats.org/drawingml/2006/main" xmlns:r="http://schemas.openxmlformats.org/officeDocument/2006/relationships" xmlns:p="http://schemas.openxmlformats.org/presentationml/2006/main" showMasterSp="0" showMasterPhAnim="0">
   <p:cSld>
     <p:spTree>
       <p:nvGrpSpPr>
-        <p:cNvPr id="52" name="Shape 52"/>
+        <p:cNvPr id="1" name="Shape 52"/>
         <p:cNvGrpSpPr/>
         <p:nvPr/>
       </p:nvGrpSpPr>
@@ -722,20 +743,26 @@
       <p:sp>
         <p:nvSpPr>
           <p:cNvPr id="53" name="Google Shape;53;p:notes"/>
-          <p:cNvSpPr/>
+          <p:cNvSpPr>
+            <a:spLocks noGrp="1" noRot="1" noChangeAspect="1"/>
+          </p:cNvSpPr>
           <p:nvPr>
-            <p:ph idx="2" type="sldImg"/>
+            <p:ph type="sldImg" idx="2"/>
           </p:nvPr>
         </p:nvSpPr>
         <p:spPr>
           <a:xfrm>
-            <a:off x="381300" y="685800"/>
-            <a:ext cx="6096075" cy="3429000"/>
+            <a:off x="381000" y="685800"/>
+            <a:ext cx="6096000" cy="3429000"/>
           </a:xfrm>
           <a:custGeom>
-            <a:rect b="b" l="l" r="r" t="t"/>
+            <a:avLst/>
+            <a:gdLst/>
+            <a:ahLst/>
+            <a:cxnLst/>
+            <a:rect l="l" t="t" r="r" b="b"/>
             <a:pathLst>
-              <a:path extrusionOk="0" h="120000" w="120000">
+              <a:path w="120000" h="120000" extrusionOk="0">
                 <a:moveTo>
                   <a:pt x="0" y="0"/>
                 </a:moveTo>
@@ -757,9 +784,11 @@
       <p:sp>
         <p:nvSpPr>
           <p:cNvPr id="54" name="Google Shape;54;p:notes"/>
-          <p:cNvSpPr txBox="1"/>
+          <p:cNvSpPr txBox="1">
+            <a:spLocks noGrp="1"/>
+          </p:cNvSpPr>
           <p:nvPr>
-            <p:ph idx="1" type="body"/>
+            <p:ph type="body" idx="1"/>
           </p:nvPr>
         </p:nvSpPr>
         <p:spPr>
@@ -772,12 +801,12 @@
           </a:prstGeom>
         </p:spPr>
         <p:txBody>
-          <a:bodyPr anchorCtr="0" anchor="t" bIns="91425" lIns="91425" spcFirstLastPara="1" rIns="91425" wrap="square" tIns="91425">
+          <a:bodyPr spcFirstLastPara="1" wrap="square" lIns="91425" tIns="91425" rIns="91425" bIns="91425" anchor="t" anchorCtr="0">
             <a:noAutofit/>
           </a:bodyPr>
           <a:lstStyle/>
           <a:p>
-            <a:pPr indent="0" lvl="0" marL="0" rtl="0" algn="l">
+            <a:pPr marL="0" lvl="0" indent="0" algn="l" rtl="0">
               <a:spcBef>
                 <a:spcPts val="0"/>
               </a:spcBef>
@@ -786,14 +815,16 @@
               </a:spcAft>
               <a:buNone/>
             </a:pPr>
-            <a:r>
-              <a:t/>
-            </a:r>
             <a:endParaRPr/>
           </a:p>
         </p:txBody>
       </p:sp>
     </p:spTree>
+    <p:extLst>
+      <p:ext uri="{BB962C8B-B14F-4D97-AF65-F5344CB8AC3E}">
+        <p14:creationId xmlns:p14="http://schemas.microsoft.com/office/powerpoint/2010/main" val="2521540549"/>
+      </p:ext>
+    </p:extLst>
   </p:cSld>
   <p:clrMapOvr>
     <a:masterClrMapping/>
@@ -802,11 +833,11 @@
 </file>
 
 <file path=ppt/notesSlides/notesSlide2.xml><?xml version="1.0" encoding="utf-8"?>
-<p:notes xmlns:a="http://schemas.openxmlformats.org/drawingml/2006/main" xmlns:r="http://schemas.openxmlformats.org/officeDocument/2006/relationships" xmlns:mc="http://schemas.openxmlformats.org/markup-compatibility/2006" xmlns:mv="urn:schemas-microsoft-com:mac:vml" xmlns:p="http://schemas.openxmlformats.org/presentationml/2006/main" xmlns:c="http://schemas.openxmlformats.org/drawingml/2006/chart" xmlns:dgm="http://schemas.openxmlformats.org/drawingml/2006/diagram" xmlns:o="urn:schemas-microsoft-com:office:office" xmlns:v="urn:schemas-microsoft-com:vml" xmlns:pvml="urn:schemas-microsoft-com:office:powerpoint" xmlns:com="http://schemas.openxmlformats.org/drawingml/2006/compatibility" xmlns:p14="http://schemas.microsoft.com/office/powerpoint/2010/main" xmlns:p15="http://schemas.microsoft.com/office/powerpoint/2012/main" xmlns:ahyp="http://schemas.microsoft.com/office/drawing/2018/hyperlinkcolor" showMasterPhAnim="0" showMasterSp="0">
+<p:notes xmlns:a="http://schemas.openxmlformats.org/drawingml/2006/main" xmlns:r="http://schemas.openxmlformats.org/officeDocument/2006/relationships" xmlns:p="http://schemas.openxmlformats.org/presentationml/2006/main" showMasterSp="0" showMasterPhAnim="0">
   <p:cSld>
     <p:spTree>
       <p:nvGrpSpPr>
-        <p:cNvPr id="57" name="Shape 57"/>
+        <p:cNvPr id="1" name="Shape 57"/>
         <p:cNvGrpSpPr/>
         <p:nvPr/>
       </p:nvGrpSpPr>
@@ -821,20 +852,26 @@
       <p:sp>
         <p:nvSpPr>
           <p:cNvPr id="58" name="Google Shape;58;g1ed8dc5976b_0_125:notes"/>
-          <p:cNvSpPr/>
+          <p:cNvSpPr>
+            <a:spLocks noGrp="1" noRot="1" noChangeAspect="1"/>
+          </p:cNvSpPr>
           <p:nvPr>
-            <p:ph idx="2" type="sldImg"/>
+            <p:ph type="sldImg" idx="2"/>
           </p:nvPr>
         </p:nvSpPr>
         <p:spPr>
           <a:xfrm>
-            <a:off x="381300" y="685800"/>
+            <a:off x="381000" y="685800"/>
             <a:ext cx="6096000" cy="3429000"/>
           </a:xfrm>
           <a:custGeom>
-            <a:rect b="b" l="l" r="r" t="t"/>
+            <a:avLst/>
+            <a:gdLst/>
+            <a:ahLst/>
+            <a:cxnLst/>
+            <a:rect l="l" t="t" r="r" b="b"/>
             <a:pathLst>
-              <a:path extrusionOk="0" h="120000" w="120000">
+              <a:path w="120000" h="120000" extrusionOk="0">
                 <a:moveTo>
                   <a:pt x="0" y="0"/>
                 </a:moveTo>
@@ -856,9 +893,11 @@
       <p:sp>
         <p:nvSpPr>
           <p:cNvPr id="59" name="Google Shape;59;g1ed8dc5976b_0_125:notes"/>
-          <p:cNvSpPr txBox="1"/>
+          <p:cNvSpPr txBox="1">
+            <a:spLocks noGrp="1"/>
+          </p:cNvSpPr>
           <p:nvPr>
-            <p:ph idx="1" type="body"/>
+            <p:ph type="body" idx="1"/>
           </p:nvPr>
         </p:nvSpPr>
         <p:spPr>
@@ -871,12 +910,12 @@
           </a:prstGeom>
         </p:spPr>
         <p:txBody>
-          <a:bodyPr anchorCtr="0" anchor="t" bIns="91425" lIns="91425" spcFirstLastPara="1" rIns="91425" wrap="square" tIns="91425">
+          <a:bodyPr spcFirstLastPara="1" wrap="square" lIns="91425" tIns="91425" rIns="91425" bIns="91425" anchor="t" anchorCtr="0">
             <a:noAutofit/>
           </a:bodyPr>
           <a:lstStyle/>
           <a:p>
-            <a:pPr indent="0" lvl="0" marL="0" rtl="0" algn="l">
+            <a:pPr marL="0" lvl="0" indent="0" algn="l" rtl="0">
               <a:spcBef>
                 <a:spcPts val="0"/>
               </a:spcBef>
@@ -885,14 +924,16 @@
               </a:spcAft>
               <a:buNone/>
             </a:pPr>
-            <a:r>
-              <a:t/>
-            </a:r>
             <a:endParaRPr/>
           </a:p>
         </p:txBody>
       </p:sp>
     </p:spTree>
+    <p:extLst>
+      <p:ext uri="{BB962C8B-B14F-4D97-AF65-F5344CB8AC3E}">
+        <p14:creationId xmlns:p14="http://schemas.microsoft.com/office/powerpoint/2010/main" val="2614887319"/>
+      </p:ext>
+    </p:extLst>
   </p:cSld>
   <p:clrMapOvr>
     <a:masterClrMapping/>
@@ -901,11 +942,11 @@
 </file>
 
 <file path=ppt/notesSlides/notesSlide3.xml><?xml version="1.0" encoding="utf-8"?>
-<p:notes xmlns:a="http://schemas.openxmlformats.org/drawingml/2006/main" xmlns:r="http://schemas.openxmlformats.org/officeDocument/2006/relationships" xmlns:mc="http://schemas.openxmlformats.org/markup-compatibility/2006" xmlns:mv="urn:schemas-microsoft-com:mac:vml" xmlns:p="http://schemas.openxmlformats.org/presentationml/2006/main" xmlns:c="http://schemas.openxmlformats.org/drawingml/2006/chart" xmlns:dgm="http://schemas.openxmlformats.org/drawingml/2006/diagram" xmlns:o="urn:schemas-microsoft-com:office:office" xmlns:v="urn:schemas-microsoft-com:vml" xmlns:pvml="urn:schemas-microsoft-com:office:powerpoint" xmlns:com="http://schemas.openxmlformats.org/drawingml/2006/compatibility" xmlns:p14="http://schemas.microsoft.com/office/powerpoint/2010/main" xmlns:p15="http://schemas.microsoft.com/office/powerpoint/2012/main" xmlns:ahyp="http://schemas.microsoft.com/office/drawing/2018/hyperlinkcolor" showMasterPhAnim="0" showMasterSp="0">
+<p:notes xmlns:a="http://schemas.openxmlformats.org/drawingml/2006/main" xmlns:r="http://schemas.openxmlformats.org/officeDocument/2006/relationships" xmlns:p="http://schemas.openxmlformats.org/presentationml/2006/main" showMasterSp="0" showMasterPhAnim="0">
   <p:cSld>
     <p:spTree>
       <p:nvGrpSpPr>
-        <p:cNvPr id="63" name="Shape 63"/>
+        <p:cNvPr id="1" name="Shape 63"/>
         <p:cNvGrpSpPr/>
         <p:nvPr/>
       </p:nvGrpSpPr>
@@ -920,20 +961,26 @@
       <p:sp>
         <p:nvSpPr>
           <p:cNvPr id="64" name="Google Shape;64;g1ed8dc5976b_0_130:notes"/>
-          <p:cNvSpPr/>
+          <p:cNvSpPr>
+            <a:spLocks noGrp="1" noRot="1" noChangeAspect="1"/>
+          </p:cNvSpPr>
           <p:nvPr>
-            <p:ph idx="2" type="sldImg"/>
+            <p:ph type="sldImg" idx="2"/>
           </p:nvPr>
         </p:nvSpPr>
         <p:spPr>
           <a:xfrm>
-            <a:off x="381300" y="685800"/>
+            <a:off x="381000" y="685800"/>
             <a:ext cx="6096000" cy="3429000"/>
           </a:xfrm>
           <a:custGeom>
-            <a:rect b="b" l="l" r="r" t="t"/>
+            <a:avLst/>
+            <a:gdLst/>
+            <a:ahLst/>
+            <a:cxnLst/>
+            <a:rect l="l" t="t" r="r" b="b"/>
             <a:pathLst>
-              <a:path extrusionOk="0" h="120000" w="120000">
+              <a:path w="120000" h="120000" extrusionOk="0">
                 <a:moveTo>
                   <a:pt x="0" y="0"/>
                 </a:moveTo>
@@ -955,9 +1002,11 @@
       <p:sp>
         <p:nvSpPr>
           <p:cNvPr id="65" name="Google Shape;65;g1ed8dc5976b_0_130:notes"/>
-          <p:cNvSpPr txBox="1"/>
+          <p:cNvSpPr txBox="1">
+            <a:spLocks noGrp="1"/>
+          </p:cNvSpPr>
           <p:nvPr>
-            <p:ph idx="1" type="body"/>
+            <p:ph type="body" idx="1"/>
           </p:nvPr>
         </p:nvSpPr>
         <p:spPr>
@@ -970,12 +1019,12 @@
           </a:prstGeom>
         </p:spPr>
         <p:txBody>
-          <a:bodyPr anchorCtr="0" anchor="t" bIns="91425" lIns="91425" spcFirstLastPara="1" rIns="91425" wrap="square" tIns="91425">
+          <a:bodyPr spcFirstLastPara="1" wrap="square" lIns="91425" tIns="91425" rIns="91425" bIns="91425" anchor="t" anchorCtr="0">
             <a:noAutofit/>
           </a:bodyPr>
           <a:lstStyle/>
           <a:p>
-            <a:pPr indent="0" lvl="0" marL="0" rtl="0" algn="l">
+            <a:pPr marL="0" lvl="0" indent="0" algn="l" rtl="0">
               <a:spcBef>
                 <a:spcPts val="0"/>
               </a:spcBef>
@@ -984,14 +1033,16 @@
               </a:spcAft>
               <a:buNone/>
             </a:pPr>
-            <a:r>
-              <a:t/>
-            </a:r>
             <a:endParaRPr/>
           </a:p>
         </p:txBody>
       </p:sp>
     </p:spTree>
+    <p:extLst>
+      <p:ext uri="{BB962C8B-B14F-4D97-AF65-F5344CB8AC3E}">
+        <p14:creationId xmlns:p14="http://schemas.microsoft.com/office/powerpoint/2010/main" val="3364650465"/>
+      </p:ext>
+    </p:extLst>
   </p:cSld>
   <p:clrMapOvr>
     <a:masterClrMapping/>
@@ -1000,11 +1051,11 @@
 </file>
 
 <file path=ppt/notesSlides/notesSlide4.xml><?xml version="1.0" encoding="utf-8"?>
-<p:notes xmlns:a="http://schemas.openxmlformats.org/drawingml/2006/main" xmlns:r="http://schemas.openxmlformats.org/officeDocument/2006/relationships" xmlns:mc="http://schemas.openxmlformats.org/markup-compatibility/2006" xmlns:mv="urn:schemas-microsoft-com:mac:vml" xmlns:p="http://schemas.openxmlformats.org/presentationml/2006/main" xmlns:c="http://schemas.openxmlformats.org/drawingml/2006/chart" xmlns:dgm="http://schemas.openxmlformats.org/drawingml/2006/diagram" xmlns:o="urn:schemas-microsoft-com:office:office" xmlns:v="urn:schemas-microsoft-com:vml" xmlns:pvml="urn:schemas-microsoft-com:office:powerpoint" xmlns:com="http://schemas.openxmlformats.org/drawingml/2006/compatibility" xmlns:p14="http://schemas.microsoft.com/office/powerpoint/2010/main" xmlns:p15="http://schemas.microsoft.com/office/powerpoint/2012/main" xmlns:ahyp="http://schemas.microsoft.com/office/drawing/2018/hyperlinkcolor" showMasterPhAnim="0" showMasterSp="0">
+<p:notes xmlns:a="http://schemas.openxmlformats.org/drawingml/2006/main" xmlns:r="http://schemas.openxmlformats.org/officeDocument/2006/relationships" xmlns:p="http://schemas.openxmlformats.org/presentationml/2006/main" showMasterSp="0" showMasterPhAnim="0">
   <p:cSld>
     <p:spTree>
       <p:nvGrpSpPr>
-        <p:cNvPr id="69" name="Shape 69"/>
+        <p:cNvPr id="1" name="Shape 69"/>
         <p:cNvGrpSpPr/>
         <p:nvPr/>
       </p:nvGrpSpPr>
@@ -1019,20 +1070,26 @@
       <p:sp>
         <p:nvSpPr>
           <p:cNvPr id="70" name="Google Shape;70;g1ed8dc5976b_0_135:notes"/>
-          <p:cNvSpPr/>
+          <p:cNvSpPr>
+            <a:spLocks noGrp="1" noRot="1" noChangeAspect="1"/>
+          </p:cNvSpPr>
           <p:nvPr>
-            <p:ph idx="2" type="sldImg"/>
+            <p:ph type="sldImg" idx="2"/>
           </p:nvPr>
         </p:nvSpPr>
         <p:spPr>
           <a:xfrm>
-            <a:off x="381300" y="685800"/>
+            <a:off x="381000" y="685800"/>
             <a:ext cx="6096000" cy="3429000"/>
           </a:xfrm>
           <a:custGeom>
-            <a:rect b="b" l="l" r="r" t="t"/>
+            <a:avLst/>
+            <a:gdLst/>
+            <a:ahLst/>
+            <a:cxnLst/>
+            <a:rect l="l" t="t" r="r" b="b"/>
             <a:pathLst>
-              <a:path extrusionOk="0" h="120000" w="120000">
+              <a:path w="120000" h="120000" extrusionOk="0">
                 <a:moveTo>
                   <a:pt x="0" y="0"/>
                 </a:moveTo>
@@ -1054,9 +1111,11 @@
       <p:sp>
         <p:nvSpPr>
           <p:cNvPr id="71" name="Google Shape;71;g1ed8dc5976b_0_135:notes"/>
-          <p:cNvSpPr txBox="1"/>
+          <p:cNvSpPr txBox="1">
+            <a:spLocks noGrp="1"/>
+          </p:cNvSpPr>
           <p:nvPr>
-            <p:ph idx="1" type="body"/>
+            <p:ph type="body" idx="1"/>
           </p:nvPr>
         </p:nvSpPr>
         <p:spPr>
@@ -1069,12 +1128,12 @@
           </a:prstGeom>
         </p:spPr>
         <p:txBody>
-          <a:bodyPr anchorCtr="0" anchor="t" bIns="91425" lIns="91425" spcFirstLastPara="1" rIns="91425" wrap="square" tIns="91425">
+          <a:bodyPr spcFirstLastPara="1" wrap="square" lIns="91425" tIns="91425" rIns="91425" bIns="91425" anchor="t" anchorCtr="0">
             <a:noAutofit/>
           </a:bodyPr>
           <a:lstStyle/>
           <a:p>
-            <a:pPr indent="0" lvl="0" marL="0" rtl="0" algn="l">
+            <a:pPr marL="0" lvl="0" indent="0" algn="l" rtl="0">
               <a:spcBef>
                 <a:spcPts val="0"/>
               </a:spcBef>
@@ -1083,14 +1142,16 @@
               </a:spcAft>
               <a:buNone/>
             </a:pPr>
-            <a:r>
-              <a:t/>
-            </a:r>
             <a:endParaRPr/>
           </a:p>
         </p:txBody>
       </p:sp>
     </p:spTree>
+    <p:extLst>
+      <p:ext uri="{BB962C8B-B14F-4D97-AF65-F5344CB8AC3E}">
+        <p14:creationId xmlns:p14="http://schemas.microsoft.com/office/powerpoint/2010/main" val="4049167314"/>
+      </p:ext>
+    </p:extLst>
   </p:cSld>
   <p:clrMapOvr>
     <a:masterClrMapping/>
@@ -1099,11 +1160,11 @@
 </file>
 
 <file path=ppt/slideLayouts/slideLayout1.xml><?xml version="1.0" encoding="utf-8"?>
-<p:sldLayout xmlns:a="http://schemas.openxmlformats.org/drawingml/2006/main" xmlns:r="http://schemas.openxmlformats.org/officeDocument/2006/relationships" xmlns:mc="http://schemas.openxmlformats.org/markup-compatibility/2006" xmlns:mv="urn:schemas-microsoft-com:mac:vml" xmlns:p="http://schemas.openxmlformats.org/presentationml/2006/main" xmlns:c="http://schemas.openxmlformats.org/drawingml/2006/chart" xmlns:dgm="http://schemas.openxmlformats.org/drawingml/2006/diagram" xmlns:o="urn:schemas-microsoft-com:office:office" xmlns:v="urn:schemas-microsoft-com:vml" xmlns:pvml="urn:schemas-microsoft-com:office:powerpoint" xmlns:com="http://schemas.openxmlformats.org/drawingml/2006/compatibility" xmlns:p14="http://schemas.microsoft.com/office/powerpoint/2010/main" xmlns:p15="http://schemas.microsoft.com/office/powerpoint/2012/main" xmlns:ahyp="http://schemas.microsoft.com/office/drawing/2018/hyperlinkcolor" matchingName="Title slide" type="title">
+<p:sldLayout xmlns:a="http://schemas.openxmlformats.org/drawingml/2006/main" xmlns:r="http://schemas.openxmlformats.org/officeDocument/2006/relationships" xmlns:p="http://schemas.openxmlformats.org/presentationml/2006/main" matchingName="Title slide" type="title">
   <p:cSld name="TITLE">
     <p:spTree>
       <p:nvGrpSpPr>
-        <p:cNvPr id="9" name="Shape 9"/>
+        <p:cNvPr id="1" name="Shape 9"/>
         <p:cNvGrpSpPr/>
         <p:nvPr/>
       </p:nvGrpSpPr>
@@ -1130,21 +1191,23 @@
             <a:avLst/>
           </a:prstGeom>
           <a:noFill/>
-          <a:ln cap="flat" cmpd="sng" w="76200">
+          <a:ln w="76200" cap="flat" cmpd="sng">
             <a:solidFill>
               <a:schemeClr val="dk1"/>
             </a:solidFill>
             <a:prstDash val="solid"/>
             <a:round/>
-            <a:headEnd len="sm" w="sm" type="none"/>
-            <a:tailEnd len="sm" w="sm" type="none"/>
+            <a:headEnd type="none" w="sm" len="sm"/>
+            <a:tailEnd type="none" w="sm" len="sm"/>
           </a:ln>
         </p:spPr>
       </p:cxnSp>
       <p:sp>
         <p:nvSpPr>
           <p:cNvPr id="11" name="Google Shape;11;p2"/>
-          <p:cNvSpPr txBox="1"/>
+          <p:cNvSpPr txBox="1">
+            <a:spLocks noGrp="1"/>
+          </p:cNvSpPr>
           <p:nvPr>
             <p:ph type="ctrTitle"/>
           </p:nvPr>
@@ -1159,7 +1222,7 @@
           </a:prstGeom>
         </p:spPr>
         <p:txBody>
-          <a:bodyPr anchorCtr="0" anchor="b" bIns="91425" lIns="91425" spcFirstLastPara="1" rIns="91425" wrap="square" tIns="91425">
+          <a:bodyPr spcFirstLastPara="1" wrap="square" lIns="91425" tIns="91425" rIns="91425" bIns="91425" anchor="b" anchorCtr="0">
             <a:normAutofit/>
           </a:bodyPr>
           <a:lstStyle>
@@ -1263,15 +1326,19 @@
               <a:defRPr sz="5400"/>
             </a:lvl9pPr>
           </a:lstStyle>
-          <a:p/>
+          <a:p>
+            <a:endParaRPr/>
+          </a:p>
         </p:txBody>
       </p:sp>
       <p:sp>
         <p:nvSpPr>
           <p:cNvPr id="12" name="Google Shape;12;p2"/>
-          <p:cNvSpPr txBox="1"/>
+          <p:cNvSpPr txBox="1">
+            <a:spLocks noGrp="1"/>
+          </p:cNvSpPr>
           <p:nvPr>
-            <p:ph idx="1" type="subTitle"/>
+            <p:ph type="subTitle" idx="1"/>
           </p:nvPr>
         </p:nvSpPr>
         <p:spPr>
@@ -1284,7 +1351,7 @@
           </a:prstGeom>
         </p:spPr>
         <p:txBody>
-          <a:bodyPr anchorCtr="0" anchor="t" bIns="91425" lIns="91425" spcFirstLastPara="1" rIns="91425" wrap="square" tIns="91425">
+          <a:bodyPr spcFirstLastPara="1" wrap="square" lIns="91425" tIns="91425" rIns="91425" bIns="91425" anchor="t" anchorCtr="0">
             <a:normAutofit/>
           </a:bodyPr>
           <a:lstStyle>
@@ -1415,15 +1482,19 @@
               <a:defRPr sz="2400"/>
             </a:lvl9pPr>
           </a:lstStyle>
-          <a:p/>
+          <a:p>
+            <a:endParaRPr/>
+          </a:p>
         </p:txBody>
       </p:sp>
       <p:sp>
         <p:nvSpPr>
           <p:cNvPr id="13" name="Google Shape;13;p2"/>
-          <p:cNvSpPr txBox="1"/>
+          <p:cNvSpPr txBox="1">
+            <a:spLocks noGrp="1"/>
+          </p:cNvSpPr>
           <p:nvPr>
-            <p:ph idx="12" type="sldNum"/>
+            <p:ph type="sldNum" idx="12"/>
           </p:nvPr>
         </p:nvSpPr>
         <p:spPr>
@@ -1436,7 +1507,7 @@
           </a:prstGeom>
         </p:spPr>
         <p:txBody>
-          <a:bodyPr anchorCtr="0" anchor="ctr" bIns="91425" lIns="91425" spcFirstLastPara="1" rIns="91425" wrap="square" tIns="91425">
+          <a:bodyPr spcFirstLastPara="1" wrap="square" lIns="91425" tIns="91425" rIns="91425" bIns="91425" anchor="ctr" anchorCtr="0">
             <a:normAutofit/>
           </a:bodyPr>
           <a:lstStyle>
@@ -1478,7 +1549,7 @@
             </a:lvl9pPr>
           </a:lstStyle>
           <a:p>
-            <a:pPr indent="0" lvl="0" marL="0" rtl="0" algn="r">
+            <a:pPr marL="0" lvl="0" indent="0" algn="r" rtl="0">
               <a:spcBef>
                 <a:spcPts val="0"/>
               </a:spcBef>
@@ -1504,11 +1575,11 @@
 </file>
 
 <file path=ppt/slideLayouts/slideLayout10.xml><?xml version="1.0" encoding="utf-8"?>
-<p:sldLayout xmlns:a="http://schemas.openxmlformats.org/drawingml/2006/main" xmlns:r="http://schemas.openxmlformats.org/officeDocument/2006/relationships" xmlns:mc="http://schemas.openxmlformats.org/markup-compatibility/2006" xmlns:mv="urn:schemas-microsoft-com:mac:vml" xmlns:p="http://schemas.openxmlformats.org/presentationml/2006/main" xmlns:c="http://schemas.openxmlformats.org/drawingml/2006/chart" xmlns:dgm="http://schemas.openxmlformats.org/drawingml/2006/diagram" xmlns:o="urn:schemas-microsoft-com:office:office" xmlns:v="urn:schemas-microsoft-com:vml" xmlns:pvml="urn:schemas-microsoft-com:office:powerpoint" xmlns:com="http://schemas.openxmlformats.org/drawingml/2006/compatibility" xmlns:p14="http://schemas.microsoft.com/office/powerpoint/2010/main" xmlns:p15="http://schemas.microsoft.com/office/powerpoint/2012/main" xmlns:ahyp="http://schemas.microsoft.com/office/drawing/2018/hyperlinkcolor" matchingName="Big number">
+<p:sldLayout xmlns:a="http://schemas.openxmlformats.org/drawingml/2006/main" xmlns:r="http://schemas.openxmlformats.org/officeDocument/2006/relationships" xmlns:p="http://schemas.openxmlformats.org/presentationml/2006/main" matchingName="Big number">
   <p:cSld name="BIG_NUMBER">
     <p:spTree>
       <p:nvGrpSpPr>
-        <p:cNvPr id="46" name="Shape 46"/>
+        <p:cNvPr id="1" name="Shape 46"/>
         <p:cNvGrpSpPr/>
         <p:nvPr/>
       </p:nvGrpSpPr>
@@ -1523,9 +1594,11 @@
       <p:sp>
         <p:nvSpPr>
           <p:cNvPr id="47" name="Google Shape;47;p11"/>
-          <p:cNvSpPr txBox="1"/>
+          <p:cNvSpPr txBox="1">
+            <a:spLocks noGrp="1"/>
+          </p:cNvSpPr>
           <p:nvPr>
-            <p:ph hasCustomPrompt="1" type="title"/>
+            <p:ph type="title" hasCustomPrompt="1"/>
           </p:nvPr>
         </p:nvSpPr>
         <p:spPr>
@@ -1538,7 +1611,7 @@
           </a:prstGeom>
         </p:spPr>
         <p:txBody>
-          <a:bodyPr anchorCtr="0" anchor="ctr" bIns="91425" lIns="91425" spcFirstLastPara="1" rIns="91425" wrap="square" tIns="91425">
+          <a:bodyPr spcFirstLastPara="1" wrap="square" lIns="91425" tIns="91425" rIns="91425" bIns="91425" anchor="ctr" anchorCtr="0">
             <a:normAutofit/>
           </a:bodyPr>
           <a:lstStyle>
@@ -1715,9 +1788,11 @@
       <p:sp>
         <p:nvSpPr>
           <p:cNvPr id="48" name="Google Shape;48;p11"/>
-          <p:cNvSpPr txBox="1"/>
+          <p:cNvSpPr txBox="1">
+            <a:spLocks noGrp="1"/>
+          </p:cNvSpPr>
           <p:nvPr>
-            <p:ph idx="1" type="body"/>
+            <p:ph type="body" idx="1"/>
           </p:nvPr>
         </p:nvSpPr>
         <p:spPr>
@@ -1730,11 +1805,11 @@
           </a:prstGeom>
         </p:spPr>
         <p:txBody>
-          <a:bodyPr anchorCtr="0" anchor="t" bIns="91425" lIns="91425" spcFirstLastPara="1" rIns="91425" wrap="square" tIns="91425">
+          <a:bodyPr spcFirstLastPara="1" wrap="square" lIns="91425" tIns="91425" rIns="91425" bIns="91425" anchor="t" anchorCtr="0">
             <a:normAutofit/>
           </a:bodyPr>
           <a:lstStyle>
-            <a:lvl1pPr indent="-342900" lvl="0" marL="457200" algn="ctr">
+            <a:lvl1pPr marL="457200" lvl="0" indent="-342900" algn="ctr">
               <a:spcBef>
                 <a:spcPts val="0"/>
               </a:spcBef>
@@ -1745,7 +1820,7 @@
               <a:buChar char="●"/>
               <a:defRPr/>
             </a:lvl1pPr>
-            <a:lvl2pPr indent="-317500" lvl="1" marL="914400" algn="ctr">
+            <a:lvl2pPr marL="914400" lvl="1" indent="-317500" algn="ctr">
               <a:spcBef>
                 <a:spcPts val="0"/>
               </a:spcBef>
@@ -1756,7 +1831,7 @@
               <a:buChar char="○"/>
               <a:defRPr/>
             </a:lvl2pPr>
-            <a:lvl3pPr indent="-317500" lvl="2" marL="1371600" algn="ctr">
+            <a:lvl3pPr marL="1371600" lvl="2" indent="-317500" algn="ctr">
               <a:spcBef>
                 <a:spcPts val="0"/>
               </a:spcBef>
@@ -1767,7 +1842,7 @@
               <a:buChar char="■"/>
               <a:defRPr/>
             </a:lvl3pPr>
-            <a:lvl4pPr indent="-317500" lvl="3" marL="1828800" algn="ctr">
+            <a:lvl4pPr marL="1828800" lvl="3" indent="-317500" algn="ctr">
               <a:spcBef>
                 <a:spcPts val="0"/>
               </a:spcBef>
@@ -1778,7 +1853,7 @@
               <a:buChar char="●"/>
               <a:defRPr/>
             </a:lvl4pPr>
-            <a:lvl5pPr indent="-317500" lvl="4" marL="2286000" algn="ctr">
+            <a:lvl5pPr marL="2286000" lvl="4" indent="-317500" algn="ctr">
               <a:spcBef>
                 <a:spcPts val="0"/>
               </a:spcBef>
@@ -1789,7 +1864,7 @@
               <a:buChar char="○"/>
               <a:defRPr/>
             </a:lvl5pPr>
-            <a:lvl6pPr indent="-317500" lvl="5" marL="2743200" algn="ctr">
+            <a:lvl6pPr marL="2743200" lvl="5" indent="-317500" algn="ctr">
               <a:spcBef>
                 <a:spcPts val="0"/>
               </a:spcBef>
@@ -1800,7 +1875,7 @@
               <a:buChar char="■"/>
               <a:defRPr/>
             </a:lvl6pPr>
-            <a:lvl7pPr indent="-317500" lvl="6" marL="3200400" algn="ctr">
+            <a:lvl7pPr marL="3200400" lvl="6" indent="-317500" algn="ctr">
               <a:spcBef>
                 <a:spcPts val="0"/>
               </a:spcBef>
@@ -1811,7 +1886,7 @@
               <a:buChar char="●"/>
               <a:defRPr/>
             </a:lvl7pPr>
-            <a:lvl8pPr indent="-317500" lvl="7" marL="3657600" algn="ctr">
+            <a:lvl8pPr marL="3657600" lvl="7" indent="-317500" algn="ctr">
               <a:spcBef>
                 <a:spcPts val="0"/>
               </a:spcBef>
@@ -1822,7 +1897,7 @@
               <a:buChar char="○"/>
               <a:defRPr/>
             </a:lvl8pPr>
-            <a:lvl9pPr indent="-317500" lvl="8" marL="4114800" algn="ctr">
+            <a:lvl9pPr marL="4114800" lvl="8" indent="-317500" algn="ctr">
               <a:spcBef>
                 <a:spcPts val="0"/>
               </a:spcBef>
@@ -1834,15 +1909,19 @@
               <a:defRPr/>
             </a:lvl9pPr>
           </a:lstStyle>
-          <a:p/>
+          <a:p>
+            <a:endParaRPr/>
+          </a:p>
         </p:txBody>
       </p:sp>
       <p:sp>
         <p:nvSpPr>
           <p:cNvPr id="49" name="Google Shape;49;p11"/>
-          <p:cNvSpPr txBox="1"/>
+          <p:cNvSpPr txBox="1">
+            <a:spLocks noGrp="1"/>
+          </p:cNvSpPr>
           <p:nvPr>
-            <p:ph idx="12" type="sldNum"/>
+            <p:ph type="sldNum" idx="12"/>
           </p:nvPr>
         </p:nvSpPr>
         <p:spPr>
@@ -1855,7 +1934,7 @@
           </a:prstGeom>
         </p:spPr>
         <p:txBody>
-          <a:bodyPr anchorCtr="0" anchor="ctr" bIns="91425" lIns="91425" spcFirstLastPara="1" rIns="91425" wrap="square" tIns="91425">
+          <a:bodyPr spcFirstLastPara="1" wrap="square" lIns="91425" tIns="91425" rIns="91425" bIns="91425" anchor="ctr" anchorCtr="0">
             <a:normAutofit/>
           </a:bodyPr>
           <a:lstStyle>
@@ -1897,7 +1976,7 @@
             </a:lvl9pPr>
           </a:lstStyle>
           <a:p>
-            <a:pPr indent="0" lvl="0" marL="0" rtl="0" algn="r">
+            <a:pPr marL="0" lvl="0" indent="0" algn="r" rtl="0">
               <a:spcBef>
                 <a:spcPts val="0"/>
               </a:spcBef>
@@ -1923,11 +2002,11 @@
 </file>
 
 <file path=ppt/slideLayouts/slideLayout11.xml><?xml version="1.0" encoding="utf-8"?>
-<p:sldLayout xmlns:a="http://schemas.openxmlformats.org/drawingml/2006/main" xmlns:r="http://schemas.openxmlformats.org/officeDocument/2006/relationships" xmlns:mc="http://schemas.openxmlformats.org/markup-compatibility/2006" xmlns:mv="urn:schemas-microsoft-com:mac:vml" xmlns:p="http://schemas.openxmlformats.org/presentationml/2006/main" xmlns:c="http://schemas.openxmlformats.org/drawingml/2006/chart" xmlns:dgm="http://schemas.openxmlformats.org/drawingml/2006/diagram" xmlns:o="urn:schemas-microsoft-com:office:office" xmlns:v="urn:schemas-microsoft-com:vml" xmlns:pvml="urn:schemas-microsoft-com:office:powerpoint" xmlns:com="http://schemas.openxmlformats.org/drawingml/2006/compatibility" xmlns:p14="http://schemas.microsoft.com/office/powerpoint/2010/main" xmlns:p15="http://schemas.microsoft.com/office/powerpoint/2012/main" xmlns:ahyp="http://schemas.microsoft.com/office/drawing/2018/hyperlinkcolor" matchingName="Blank" type="blank">
+<p:sldLayout xmlns:a="http://schemas.openxmlformats.org/drawingml/2006/main" xmlns:r="http://schemas.openxmlformats.org/officeDocument/2006/relationships" xmlns:p="http://schemas.openxmlformats.org/presentationml/2006/main" matchingName="Blank" type="blank">
   <p:cSld name="BLANK">
     <p:spTree>
       <p:nvGrpSpPr>
-        <p:cNvPr id="50" name="Shape 50"/>
+        <p:cNvPr id="1" name="Shape 50"/>
         <p:cNvGrpSpPr/>
         <p:nvPr/>
       </p:nvGrpSpPr>
@@ -1942,9 +2021,11 @@
       <p:sp>
         <p:nvSpPr>
           <p:cNvPr id="51" name="Google Shape;51;p12"/>
-          <p:cNvSpPr txBox="1"/>
+          <p:cNvSpPr txBox="1">
+            <a:spLocks noGrp="1"/>
+          </p:cNvSpPr>
           <p:nvPr>
-            <p:ph idx="12" type="sldNum"/>
+            <p:ph type="sldNum" idx="12"/>
           </p:nvPr>
         </p:nvSpPr>
         <p:spPr>
@@ -1957,7 +2038,7 @@
           </a:prstGeom>
         </p:spPr>
         <p:txBody>
-          <a:bodyPr anchorCtr="0" anchor="ctr" bIns="91425" lIns="91425" spcFirstLastPara="1" rIns="91425" wrap="square" tIns="91425">
+          <a:bodyPr spcFirstLastPara="1" wrap="square" lIns="91425" tIns="91425" rIns="91425" bIns="91425" anchor="ctr" anchorCtr="0">
             <a:normAutofit/>
           </a:bodyPr>
           <a:lstStyle>
@@ -1999,7 +2080,7 @@
             </a:lvl9pPr>
           </a:lstStyle>
           <a:p>
-            <a:pPr indent="0" lvl="0" marL="0" rtl="0" algn="r">
+            <a:pPr marL="0" lvl="0" indent="0" algn="r" rtl="0">
               <a:spcBef>
                 <a:spcPts val="0"/>
               </a:spcBef>
@@ -2025,18 +2106,19 @@
 </file>
 
 <file path=ppt/slideLayouts/slideLayout2.xml><?xml version="1.0" encoding="utf-8"?>
-<p:sldLayout xmlns:a="http://schemas.openxmlformats.org/drawingml/2006/main" xmlns:r="http://schemas.openxmlformats.org/officeDocument/2006/relationships" xmlns:mc="http://schemas.openxmlformats.org/markup-compatibility/2006" xmlns:mv="urn:schemas-microsoft-com:mac:vml" xmlns:p="http://schemas.openxmlformats.org/presentationml/2006/main" xmlns:c="http://schemas.openxmlformats.org/drawingml/2006/chart" xmlns:dgm="http://schemas.openxmlformats.org/drawingml/2006/diagram" xmlns:o="urn:schemas-microsoft-com:office:office" xmlns:v="urn:schemas-microsoft-com:vml" xmlns:pvml="urn:schemas-microsoft-com:office:powerpoint" xmlns:com="http://schemas.openxmlformats.org/drawingml/2006/compatibility" xmlns:p14="http://schemas.microsoft.com/office/powerpoint/2010/main" xmlns:p15="http://schemas.microsoft.com/office/powerpoint/2012/main" xmlns:ahyp="http://schemas.microsoft.com/office/drawing/2018/hyperlinkcolor" matchingName="Section header" type="secHead">
+<p:sldLayout xmlns:a="http://schemas.openxmlformats.org/drawingml/2006/main" xmlns:r="http://schemas.openxmlformats.org/officeDocument/2006/relationships" xmlns:p="http://schemas.openxmlformats.org/presentationml/2006/main" matchingName="Section header" type="secHead">
   <p:cSld name="SECTION_HEADER">
     <p:bg>
       <p:bgPr>
         <a:solidFill>
           <a:schemeClr val="dk1"/>
         </a:solidFill>
+        <a:effectLst/>
       </p:bgPr>
     </p:bg>
     <p:spTree>
       <p:nvGrpSpPr>
-        <p:cNvPr id="14" name="Shape 14"/>
+        <p:cNvPr id="1" name="Shape 14"/>
         <p:cNvGrpSpPr/>
         <p:nvPr/>
       </p:nvGrpSpPr>
@@ -2051,7 +2133,9 @@
       <p:sp>
         <p:nvSpPr>
           <p:cNvPr id="15" name="Google Shape;15;p3"/>
-          <p:cNvSpPr txBox="1"/>
+          <p:cNvSpPr txBox="1">
+            <a:spLocks noGrp="1"/>
+          </p:cNvSpPr>
           <p:nvPr>
             <p:ph type="title"/>
           </p:nvPr>
@@ -2066,7 +2150,7 @@
           </a:prstGeom>
         </p:spPr>
         <p:txBody>
-          <a:bodyPr anchorCtr="0" anchor="b" bIns="91425" lIns="91425" spcFirstLastPara="1" rIns="91425" wrap="square" tIns="91425">
+          <a:bodyPr spcFirstLastPara="1" wrap="square" lIns="91425" tIns="91425" rIns="91425" bIns="91425" anchor="b" anchorCtr="0">
             <a:normAutofit/>
           </a:bodyPr>
           <a:lstStyle>
@@ -2233,15 +2317,19 @@
               </a:defRPr>
             </a:lvl9pPr>
           </a:lstStyle>
-          <a:p/>
+          <a:p>
+            <a:endParaRPr/>
+          </a:p>
         </p:txBody>
       </p:sp>
       <p:sp>
         <p:nvSpPr>
           <p:cNvPr id="16" name="Google Shape;16;p3"/>
-          <p:cNvSpPr txBox="1"/>
+          <p:cNvSpPr txBox="1">
+            <a:spLocks noGrp="1"/>
+          </p:cNvSpPr>
           <p:nvPr>
-            <p:ph idx="12" type="sldNum"/>
+            <p:ph type="sldNum" idx="12"/>
           </p:nvPr>
         </p:nvSpPr>
         <p:spPr>
@@ -2254,7 +2342,7 @@
           </a:prstGeom>
         </p:spPr>
         <p:txBody>
-          <a:bodyPr anchorCtr="0" anchor="ctr" bIns="91425" lIns="91425" spcFirstLastPara="1" rIns="91425" wrap="square" tIns="91425">
+          <a:bodyPr spcFirstLastPara="1" wrap="square" lIns="91425" tIns="91425" rIns="91425" bIns="91425" anchor="ctr" anchorCtr="0">
             <a:normAutofit/>
           </a:bodyPr>
           <a:lstStyle>
@@ -2332,7 +2420,7 @@
             </a:lvl9pPr>
           </a:lstStyle>
           <a:p>
-            <a:pPr indent="0" lvl="0" marL="0" rtl="0" algn="r">
+            <a:pPr marL="0" lvl="0" indent="0" algn="r" rtl="0">
               <a:spcBef>
                 <a:spcPts val="0"/>
               </a:spcBef>
@@ -2358,11 +2446,11 @@
 </file>
 
 <file path=ppt/slideLayouts/slideLayout3.xml><?xml version="1.0" encoding="utf-8"?>
-<p:sldLayout xmlns:a="http://schemas.openxmlformats.org/drawingml/2006/main" xmlns:r="http://schemas.openxmlformats.org/officeDocument/2006/relationships" xmlns:mc="http://schemas.openxmlformats.org/markup-compatibility/2006" xmlns:mv="urn:schemas-microsoft-com:mac:vml" xmlns:p="http://schemas.openxmlformats.org/presentationml/2006/main" xmlns:c="http://schemas.openxmlformats.org/drawingml/2006/chart" xmlns:dgm="http://schemas.openxmlformats.org/drawingml/2006/diagram" xmlns:o="urn:schemas-microsoft-com:office:office" xmlns:v="urn:schemas-microsoft-com:vml" xmlns:pvml="urn:schemas-microsoft-com:office:powerpoint" xmlns:com="http://schemas.openxmlformats.org/drawingml/2006/compatibility" xmlns:p14="http://schemas.microsoft.com/office/powerpoint/2010/main" xmlns:p15="http://schemas.microsoft.com/office/powerpoint/2012/main" xmlns:ahyp="http://schemas.microsoft.com/office/drawing/2018/hyperlinkcolor" matchingName="Title and body" type="tx">
+<p:sldLayout xmlns:a="http://schemas.openxmlformats.org/drawingml/2006/main" xmlns:r="http://schemas.openxmlformats.org/officeDocument/2006/relationships" xmlns:p="http://schemas.openxmlformats.org/presentationml/2006/main" matchingName="Title and body" type="tx">
   <p:cSld name="TITLE_AND_BODY">
     <p:spTree>
       <p:nvGrpSpPr>
-        <p:cNvPr id="17" name="Shape 17"/>
+        <p:cNvPr id="1" name="Shape 17"/>
         <p:cNvGrpSpPr/>
         <p:nvPr/>
       </p:nvGrpSpPr>
@@ -2377,7 +2465,9 @@
       <p:sp>
         <p:nvSpPr>
           <p:cNvPr id="18" name="Google Shape;18;p4"/>
-          <p:cNvSpPr txBox="1"/>
+          <p:cNvSpPr txBox="1">
+            <a:spLocks noGrp="1"/>
+          </p:cNvSpPr>
           <p:nvPr>
             <p:ph type="title"/>
           </p:nvPr>
@@ -2392,7 +2482,7 @@
           </a:prstGeom>
         </p:spPr>
         <p:txBody>
-          <a:bodyPr anchorCtr="0" anchor="t" bIns="91425" lIns="91425" spcFirstLastPara="1" rIns="91425" wrap="square" tIns="91425">
+          <a:bodyPr spcFirstLastPara="1" wrap="square" lIns="91425" tIns="91425" rIns="91425" bIns="91425" anchor="t" anchorCtr="0">
             <a:normAutofit/>
           </a:bodyPr>
           <a:lstStyle>
@@ -2496,15 +2586,19 @@
               <a:defRPr/>
             </a:lvl9pPr>
           </a:lstStyle>
-          <a:p/>
+          <a:p>
+            <a:endParaRPr/>
+          </a:p>
         </p:txBody>
       </p:sp>
       <p:sp>
         <p:nvSpPr>
           <p:cNvPr id="19" name="Google Shape;19;p4"/>
-          <p:cNvSpPr txBox="1"/>
+          <p:cNvSpPr txBox="1">
+            <a:spLocks noGrp="1"/>
+          </p:cNvSpPr>
           <p:nvPr>
-            <p:ph idx="1" type="body"/>
+            <p:ph type="body" idx="1"/>
           </p:nvPr>
         </p:nvSpPr>
         <p:spPr>
@@ -2517,11 +2611,11 @@
           </a:prstGeom>
         </p:spPr>
         <p:txBody>
-          <a:bodyPr anchorCtr="0" anchor="t" bIns="91425" lIns="91425" spcFirstLastPara="1" rIns="91425" wrap="square" tIns="91425">
+          <a:bodyPr spcFirstLastPara="1" wrap="square" lIns="91425" tIns="91425" rIns="91425" bIns="91425" anchor="t" anchorCtr="0">
             <a:normAutofit/>
           </a:bodyPr>
           <a:lstStyle>
-            <a:lvl1pPr indent="-342900" lvl="0" marL="457200">
+            <a:lvl1pPr marL="457200" lvl="0" indent="-342900">
               <a:spcBef>
                 <a:spcPts val="0"/>
               </a:spcBef>
@@ -2532,7 +2626,7 @@
               <a:buChar char="●"/>
               <a:defRPr/>
             </a:lvl1pPr>
-            <a:lvl2pPr indent="-317500" lvl="1" marL="914400">
+            <a:lvl2pPr marL="914400" lvl="1" indent="-317500">
               <a:spcBef>
                 <a:spcPts val="0"/>
               </a:spcBef>
@@ -2543,7 +2637,7 @@
               <a:buChar char="○"/>
               <a:defRPr/>
             </a:lvl2pPr>
-            <a:lvl3pPr indent="-317500" lvl="2" marL="1371600">
+            <a:lvl3pPr marL="1371600" lvl="2" indent="-317500">
               <a:spcBef>
                 <a:spcPts val="0"/>
               </a:spcBef>
@@ -2554,7 +2648,7 @@
               <a:buChar char="■"/>
               <a:defRPr/>
             </a:lvl3pPr>
-            <a:lvl4pPr indent="-317500" lvl="3" marL="1828800">
+            <a:lvl4pPr marL="1828800" lvl="3" indent="-317500">
               <a:spcBef>
                 <a:spcPts val="0"/>
               </a:spcBef>
@@ -2565,7 +2659,7 @@
               <a:buChar char="●"/>
               <a:defRPr/>
             </a:lvl4pPr>
-            <a:lvl5pPr indent="-317500" lvl="4" marL="2286000">
+            <a:lvl5pPr marL="2286000" lvl="4" indent="-317500">
               <a:spcBef>
                 <a:spcPts val="0"/>
               </a:spcBef>
@@ -2576,7 +2670,7 @@
               <a:buChar char="○"/>
               <a:defRPr/>
             </a:lvl5pPr>
-            <a:lvl6pPr indent="-317500" lvl="5" marL="2743200">
+            <a:lvl6pPr marL="2743200" lvl="5" indent="-317500">
               <a:spcBef>
                 <a:spcPts val="0"/>
               </a:spcBef>
@@ -2587,7 +2681,7 @@
               <a:buChar char="■"/>
               <a:defRPr/>
             </a:lvl6pPr>
-            <a:lvl7pPr indent="-317500" lvl="6" marL="3200400">
+            <a:lvl7pPr marL="3200400" lvl="6" indent="-317500">
               <a:spcBef>
                 <a:spcPts val="0"/>
               </a:spcBef>
@@ -2598,7 +2692,7 @@
               <a:buChar char="●"/>
               <a:defRPr/>
             </a:lvl7pPr>
-            <a:lvl8pPr indent="-317500" lvl="7" marL="3657600">
+            <a:lvl8pPr marL="3657600" lvl="7" indent="-317500">
               <a:spcBef>
                 <a:spcPts val="0"/>
               </a:spcBef>
@@ -2609,7 +2703,7 @@
               <a:buChar char="○"/>
               <a:defRPr/>
             </a:lvl8pPr>
-            <a:lvl9pPr indent="-317500" lvl="8" marL="4114800">
+            <a:lvl9pPr marL="4114800" lvl="8" indent="-317500">
               <a:spcBef>
                 <a:spcPts val="0"/>
               </a:spcBef>
@@ -2621,15 +2715,19 @@
               <a:defRPr/>
             </a:lvl9pPr>
           </a:lstStyle>
-          <a:p/>
+          <a:p>
+            <a:endParaRPr/>
+          </a:p>
         </p:txBody>
       </p:sp>
       <p:sp>
         <p:nvSpPr>
           <p:cNvPr id="20" name="Google Shape;20;p4"/>
-          <p:cNvSpPr txBox="1"/>
+          <p:cNvSpPr txBox="1">
+            <a:spLocks noGrp="1"/>
+          </p:cNvSpPr>
           <p:nvPr>
-            <p:ph idx="12" type="sldNum"/>
+            <p:ph type="sldNum" idx="12"/>
           </p:nvPr>
         </p:nvSpPr>
         <p:spPr>
@@ -2642,7 +2740,7 @@
           </a:prstGeom>
         </p:spPr>
         <p:txBody>
-          <a:bodyPr anchorCtr="0" anchor="ctr" bIns="91425" lIns="91425" spcFirstLastPara="1" rIns="91425" wrap="square" tIns="91425">
+          <a:bodyPr spcFirstLastPara="1" wrap="square" lIns="91425" tIns="91425" rIns="91425" bIns="91425" anchor="ctr" anchorCtr="0">
             <a:normAutofit/>
           </a:bodyPr>
           <a:lstStyle>
@@ -2684,7 +2782,7 @@
             </a:lvl9pPr>
           </a:lstStyle>
           <a:p>
-            <a:pPr indent="0" lvl="0" marL="0" rtl="0" algn="r">
+            <a:pPr marL="0" lvl="0" indent="0" algn="r" rtl="0">
               <a:spcBef>
                 <a:spcPts val="0"/>
               </a:spcBef>
@@ -2710,11 +2808,11 @@
 </file>
 
 <file path=ppt/slideLayouts/slideLayout4.xml><?xml version="1.0" encoding="utf-8"?>
-<p:sldLayout xmlns:a="http://schemas.openxmlformats.org/drawingml/2006/main" xmlns:r="http://schemas.openxmlformats.org/officeDocument/2006/relationships" xmlns:mc="http://schemas.openxmlformats.org/markup-compatibility/2006" xmlns:mv="urn:schemas-microsoft-com:mac:vml" xmlns:p="http://schemas.openxmlformats.org/presentationml/2006/main" xmlns:c="http://schemas.openxmlformats.org/drawingml/2006/chart" xmlns:dgm="http://schemas.openxmlformats.org/drawingml/2006/diagram" xmlns:o="urn:schemas-microsoft-com:office:office" xmlns:v="urn:schemas-microsoft-com:vml" xmlns:pvml="urn:schemas-microsoft-com:office:powerpoint" xmlns:com="http://schemas.openxmlformats.org/drawingml/2006/compatibility" xmlns:p14="http://schemas.microsoft.com/office/powerpoint/2010/main" xmlns:p15="http://schemas.microsoft.com/office/powerpoint/2012/main" xmlns:ahyp="http://schemas.microsoft.com/office/drawing/2018/hyperlinkcolor" matchingName="Title and two columns" type="twoColTx">
+<p:sldLayout xmlns:a="http://schemas.openxmlformats.org/drawingml/2006/main" xmlns:r="http://schemas.openxmlformats.org/officeDocument/2006/relationships" xmlns:p="http://schemas.openxmlformats.org/presentationml/2006/main" matchingName="Title and two columns" type="twoColTx">
   <p:cSld name="TITLE_AND_TWO_COLUMNS">
     <p:spTree>
       <p:nvGrpSpPr>
-        <p:cNvPr id="21" name="Shape 21"/>
+        <p:cNvPr id="1" name="Shape 21"/>
         <p:cNvGrpSpPr/>
         <p:nvPr/>
       </p:nvGrpSpPr>
@@ -2729,7 +2827,9 @@
       <p:sp>
         <p:nvSpPr>
           <p:cNvPr id="22" name="Google Shape;22;p5"/>
-          <p:cNvSpPr txBox="1"/>
+          <p:cNvSpPr txBox="1">
+            <a:spLocks noGrp="1"/>
+          </p:cNvSpPr>
           <p:nvPr>
             <p:ph type="title"/>
           </p:nvPr>
@@ -2744,7 +2844,7 @@
           </a:prstGeom>
         </p:spPr>
         <p:txBody>
-          <a:bodyPr anchorCtr="0" anchor="t" bIns="91425" lIns="91425" spcFirstLastPara="1" rIns="91425" wrap="square" tIns="91425">
+          <a:bodyPr spcFirstLastPara="1" wrap="square" lIns="91425" tIns="91425" rIns="91425" bIns="91425" anchor="t" anchorCtr="0">
             <a:normAutofit/>
           </a:bodyPr>
           <a:lstStyle>
@@ -2848,15 +2948,19 @@
               <a:defRPr/>
             </a:lvl9pPr>
           </a:lstStyle>
-          <a:p/>
+          <a:p>
+            <a:endParaRPr/>
+          </a:p>
         </p:txBody>
       </p:sp>
       <p:sp>
         <p:nvSpPr>
           <p:cNvPr id="23" name="Google Shape;23;p5"/>
-          <p:cNvSpPr txBox="1"/>
+          <p:cNvSpPr txBox="1">
+            <a:spLocks noGrp="1"/>
+          </p:cNvSpPr>
           <p:nvPr>
-            <p:ph idx="1" type="body"/>
+            <p:ph type="body" idx="1"/>
           </p:nvPr>
         </p:nvSpPr>
         <p:spPr>
@@ -2869,11 +2973,11 @@
           </a:prstGeom>
         </p:spPr>
         <p:txBody>
-          <a:bodyPr anchorCtr="0" anchor="t" bIns="91425" lIns="91425" spcFirstLastPara="1" rIns="91425" wrap="square" tIns="91425">
+          <a:bodyPr spcFirstLastPara="1" wrap="square" lIns="91425" tIns="91425" rIns="91425" bIns="91425" anchor="t" anchorCtr="0">
             <a:normAutofit/>
           </a:bodyPr>
           <a:lstStyle>
-            <a:lvl1pPr indent="-317500" lvl="0" marL="457200">
+            <a:lvl1pPr marL="457200" lvl="0" indent="-317500">
               <a:spcBef>
                 <a:spcPts val="0"/>
               </a:spcBef>
@@ -2884,7 +2988,7 @@
               <a:buChar char="●"/>
               <a:defRPr sz="1400"/>
             </a:lvl1pPr>
-            <a:lvl2pPr indent="-304800" lvl="1" marL="914400">
+            <a:lvl2pPr marL="914400" lvl="1" indent="-304800">
               <a:spcBef>
                 <a:spcPts val="0"/>
               </a:spcBef>
@@ -2895,7 +2999,7 @@
               <a:buChar char="○"/>
               <a:defRPr sz="1200"/>
             </a:lvl2pPr>
-            <a:lvl3pPr indent="-304800" lvl="2" marL="1371600">
+            <a:lvl3pPr marL="1371600" lvl="2" indent="-304800">
               <a:spcBef>
                 <a:spcPts val="0"/>
               </a:spcBef>
@@ -2906,7 +3010,7 @@
               <a:buChar char="■"/>
               <a:defRPr sz="1200"/>
             </a:lvl3pPr>
-            <a:lvl4pPr indent="-304800" lvl="3" marL="1828800">
+            <a:lvl4pPr marL="1828800" lvl="3" indent="-304800">
               <a:spcBef>
                 <a:spcPts val="0"/>
               </a:spcBef>
@@ -2917,7 +3021,7 @@
               <a:buChar char="●"/>
               <a:defRPr sz="1200"/>
             </a:lvl4pPr>
-            <a:lvl5pPr indent="-304800" lvl="4" marL="2286000">
+            <a:lvl5pPr marL="2286000" lvl="4" indent="-304800">
               <a:spcBef>
                 <a:spcPts val="0"/>
               </a:spcBef>
@@ -2928,7 +3032,7 @@
               <a:buChar char="○"/>
               <a:defRPr sz="1200"/>
             </a:lvl5pPr>
-            <a:lvl6pPr indent="-304800" lvl="5" marL="2743200">
+            <a:lvl6pPr marL="2743200" lvl="5" indent="-304800">
               <a:spcBef>
                 <a:spcPts val="0"/>
               </a:spcBef>
@@ -2939,7 +3043,7 @@
               <a:buChar char="■"/>
               <a:defRPr sz="1200"/>
             </a:lvl6pPr>
-            <a:lvl7pPr indent="-304800" lvl="6" marL="3200400">
+            <a:lvl7pPr marL="3200400" lvl="6" indent="-304800">
               <a:spcBef>
                 <a:spcPts val="0"/>
               </a:spcBef>
@@ -2950,7 +3054,7 @@
               <a:buChar char="●"/>
               <a:defRPr sz="1200"/>
             </a:lvl7pPr>
-            <a:lvl8pPr indent="-304800" lvl="7" marL="3657600">
+            <a:lvl8pPr marL="3657600" lvl="7" indent="-304800">
               <a:spcBef>
                 <a:spcPts val="0"/>
               </a:spcBef>
@@ -2961,7 +3065,7 @@
               <a:buChar char="○"/>
               <a:defRPr sz="1200"/>
             </a:lvl8pPr>
-            <a:lvl9pPr indent="-304800" lvl="8" marL="4114800">
+            <a:lvl9pPr marL="4114800" lvl="8" indent="-304800">
               <a:spcBef>
                 <a:spcPts val="0"/>
               </a:spcBef>
@@ -2973,15 +3077,19 @@
               <a:defRPr sz="1200"/>
             </a:lvl9pPr>
           </a:lstStyle>
-          <a:p/>
+          <a:p>
+            <a:endParaRPr/>
+          </a:p>
         </p:txBody>
       </p:sp>
       <p:sp>
         <p:nvSpPr>
           <p:cNvPr id="24" name="Google Shape;24;p5"/>
-          <p:cNvSpPr txBox="1"/>
+          <p:cNvSpPr txBox="1">
+            <a:spLocks noGrp="1"/>
+          </p:cNvSpPr>
           <p:nvPr>
-            <p:ph idx="2" type="body"/>
+            <p:ph type="body" idx="2"/>
           </p:nvPr>
         </p:nvSpPr>
         <p:spPr>
@@ -2994,11 +3102,11 @@
           </a:prstGeom>
         </p:spPr>
         <p:txBody>
-          <a:bodyPr anchorCtr="0" anchor="t" bIns="91425" lIns="91425" spcFirstLastPara="1" rIns="91425" wrap="square" tIns="91425">
+          <a:bodyPr spcFirstLastPara="1" wrap="square" lIns="91425" tIns="91425" rIns="91425" bIns="91425" anchor="t" anchorCtr="0">
             <a:normAutofit/>
           </a:bodyPr>
           <a:lstStyle>
-            <a:lvl1pPr indent="-317500" lvl="0" marL="457200">
+            <a:lvl1pPr marL="457200" lvl="0" indent="-317500">
               <a:spcBef>
                 <a:spcPts val="0"/>
               </a:spcBef>
@@ -3009,7 +3117,7 @@
               <a:buChar char="●"/>
               <a:defRPr sz="1400"/>
             </a:lvl1pPr>
-            <a:lvl2pPr indent="-304800" lvl="1" marL="914400">
+            <a:lvl2pPr marL="914400" lvl="1" indent="-304800">
               <a:spcBef>
                 <a:spcPts val="0"/>
               </a:spcBef>
@@ -3020,7 +3128,7 @@
               <a:buChar char="○"/>
               <a:defRPr sz="1200"/>
             </a:lvl2pPr>
-            <a:lvl3pPr indent="-304800" lvl="2" marL="1371600">
+            <a:lvl3pPr marL="1371600" lvl="2" indent="-304800">
               <a:spcBef>
                 <a:spcPts val="0"/>
               </a:spcBef>
@@ -3031,7 +3139,7 @@
               <a:buChar char="■"/>
               <a:defRPr sz="1200"/>
             </a:lvl3pPr>
-            <a:lvl4pPr indent="-304800" lvl="3" marL="1828800">
+            <a:lvl4pPr marL="1828800" lvl="3" indent="-304800">
               <a:spcBef>
                 <a:spcPts val="0"/>
               </a:spcBef>
@@ -3042,7 +3150,7 @@
               <a:buChar char="●"/>
               <a:defRPr sz="1200"/>
             </a:lvl4pPr>
-            <a:lvl5pPr indent="-304800" lvl="4" marL="2286000">
+            <a:lvl5pPr marL="2286000" lvl="4" indent="-304800">
               <a:spcBef>
                 <a:spcPts val="0"/>
               </a:spcBef>
@@ -3053,7 +3161,7 @@
               <a:buChar char="○"/>
               <a:defRPr sz="1200"/>
             </a:lvl5pPr>
-            <a:lvl6pPr indent="-304800" lvl="5" marL="2743200">
+            <a:lvl6pPr marL="2743200" lvl="5" indent="-304800">
               <a:spcBef>
                 <a:spcPts val="0"/>
               </a:spcBef>
@@ -3064,7 +3172,7 @@
               <a:buChar char="■"/>
               <a:defRPr sz="1200"/>
             </a:lvl6pPr>
-            <a:lvl7pPr indent="-304800" lvl="6" marL="3200400">
+            <a:lvl7pPr marL="3200400" lvl="6" indent="-304800">
               <a:spcBef>
                 <a:spcPts val="0"/>
               </a:spcBef>
@@ -3075,7 +3183,7 @@
               <a:buChar char="●"/>
               <a:defRPr sz="1200"/>
             </a:lvl7pPr>
-            <a:lvl8pPr indent="-304800" lvl="7" marL="3657600">
+            <a:lvl8pPr marL="3657600" lvl="7" indent="-304800">
               <a:spcBef>
                 <a:spcPts val="0"/>
               </a:spcBef>
@@ -3086,7 +3194,7 @@
               <a:buChar char="○"/>
               <a:defRPr sz="1200"/>
             </a:lvl8pPr>
-            <a:lvl9pPr indent="-304800" lvl="8" marL="4114800">
+            <a:lvl9pPr marL="4114800" lvl="8" indent="-304800">
               <a:spcBef>
                 <a:spcPts val="0"/>
               </a:spcBef>
@@ -3098,15 +3206,19 @@
               <a:defRPr sz="1200"/>
             </a:lvl9pPr>
           </a:lstStyle>
-          <a:p/>
+          <a:p>
+            <a:endParaRPr/>
+          </a:p>
         </p:txBody>
       </p:sp>
       <p:sp>
         <p:nvSpPr>
           <p:cNvPr id="25" name="Google Shape;25;p5"/>
-          <p:cNvSpPr txBox="1"/>
+          <p:cNvSpPr txBox="1">
+            <a:spLocks noGrp="1"/>
+          </p:cNvSpPr>
           <p:nvPr>
-            <p:ph idx="12" type="sldNum"/>
+            <p:ph type="sldNum" idx="12"/>
           </p:nvPr>
         </p:nvSpPr>
         <p:spPr>
@@ -3119,7 +3231,7 @@
           </a:prstGeom>
         </p:spPr>
         <p:txBody>
-          <a:bodyPr anchorCtr="0" anchor="ctr" bIns="91425" lIns="91425" spcFirstLastPara="1" rIns="91425" wrap="square" tIns="91425">
+          <a:bodyPr spcFirstLastPara="1" wrap="square" lIns="91425" tIns="91425" rIns="91425" bIns="91425" anchor="ctr" anchorCtr="0">
             <a:normAutofit/>
           </a:bodyPr>
           <a:lstStyle>
@@ -3161,7 +3273,7 @@
             </a:lvl9pPr>
           </a:lstStyle>
           <a:p>
-            <a:pPr indent="0" lvl="0" marL="0" rtl="0" algn="r">
+            <a:pPr marL="0" lvl="0" indent="0" algn="r" rtl="0">
               <a:spcBef>
                 <a:spcPts val="0"/>
               </a:spcBef>
@@ -3187,11 +3299,11 @@
 </file>
 
 <file path=ppt/slideLayouts/slideLayout5.xml><?xml version="1.0" encoding="utf-8"?>
-<p:sldLayout xmlns:a="http://schemas.openxmlformats.org/drawingml/2006/main" xmlns:r="http://schemas.openxmlformats.org/officeDocument/2006/relationships" xmlns:mc="http://schemas.openxmlformats.org/markup-compatibility/2006" xmlns:mv="urn:schemas-microsoft-com:mac:vml" xmlns:p="http://schemas.openxmlformats.org/presentationml/2006/main" xmlns:c="http://schemas.openxmlformats.org/drawingml/2006/chart" xmlns:dgm="http://schemas.openxmlformats.org/drawingml/2006/diagram" xmlns:o="urn:schemas-microsoft-com:office:office" xmlns:v="urn:schemas-microsoft-com:vml" xmlns:pvml="urn:schemas-microsoft-com:office:powerpoint" xmlns:com="http://schemas.openxmlformats.org/drawingml/2006/compatibility" xmlns:p14="http://schemas.microsoft.com/office/powerpoint/2010/main" xmlns:p15="http://schemas.microsoft.com/office/powerpoint/2012/main" xmlns:ahyp="http://schemas.microsoft.com/office/drawing/2018/hyperlinkcolor" matchingName="Title only" type="titleOnly">
+<p:sldLayout xmlns:a="http://schemas.openxmlformats.org/drawingml/2006/main" xmlns:r="http://schemas.openxmlformats.org/officeDocument/2006/relationships" xmlns:p="http://schemas.openxmlformats.org/presentationml/2006/main" matchingName="Title only" type="titleOnly">
   <p:cSld name="TITLE_ONLY">
     <p:spTree>
       <p:nvGrpSpPr>
-        <p:cNvPr id="26" name="Shape 26"/>
+        <p:cNvPr id="1" name="Shape 26"/>
         <p:cNvGrpSpPr/>
         <p:nvPr/>
       </p:nvGrpSpPr>
@@ -3206,7 +3318,9 @@
       <p:sp>
         <p:nvSpPr>
           <p:cNvPr id="27" name="Google Shape;27;p6"/>
-          <p:cNvSpPr txBox="1"/>
+          <p:cNvSpPr txBox="1">
+            <a:spLocks noGrp="1"/>
+          </p:cNvSpPr>
           <p:nvPr>
             <p:ph type="title"/>
           </p:nvPr>
@@ -3221,7 +3335,7 @@
           </a:prstGeom>
         </p:spPr>
         <p:txBody>
-          <a:bodyPr anchorCtr="0" anchor="t" bIns="91425" lIns="91425" spcFirstLastPara="1" rIns="91425" wrap="square" tIns="91425">
+          <a:bodyPr spcFirstLastPara="1" wrap="square" lIns="91425" tIns="91425" rIns="91425" bIns="91425" anchor="t" anchorCtr="0">
             <a:normAutofit/>
           </a:bodyPr>
           <a:lstStyle>
@@ -3325,15 +3439,19 @@
               <a:defRPr/>
             </a:lvl9pPr>
           </a:lstStyle>
-          <a:p/>
+          <a:p>
+            <a:endParaRPr/>
+          </a:p>
         </p:txBody>
       </p:sp>
       <p:sp>
         <p:nvSpPr>
           <p:cNvPr id="28" name="Google Shape;28;p6"/>
-          <p:cNvSpPr txBox="1"/>
+          <p:cNvSpPr txBox="1">
+            <a:spLocks noGrp="1"/>
+          </p:cNvSpPr>
           <p:nvPr>
-            <p:ph idx="12" type="sldNum"/>
+            <p:ph type="sldNum" idx="12"/>
           </p:nvPr>
         </p:nvSpPr>
         <p:spPr>
@@ -3346,7 +3464,7 @@
           </a:prstGeom>
         </p:spPr>
         <p:txBody>
-          <a:bodyPr anchorCtr="0" anchor="ctr" bIns="91425" lIns="91425" spcFirstLastPara="1" rIns="91425" wrap="square" tIns="91425">
+          <a:bodyPr spcFirstLastPara="1" wrap="square" lIns="91425" tIns="91425" rIns="91425" bIns="91425" anchor="ctr" anchorCtr="0">
             <a:normAutofit/>
           </a:bodyPr>
           <a:lstStyle>
@@ -3388,7 +3506,7 @@
             </a:lvl9pPr>
           </a:lstStyle>
           <a:p>
-            <a:pPr indent="0" lvl="0" marL="0" rtl="0" algn="r">
+            <a:pPr marL="0" lvl="0" indent="0" algn="r" rtl="0">
               <a:spcBef>
                 <a:spcPts val="0"/>
               </a:spcBef>
@@ -3414,11 +3532,11 @@
 </file>
 
 <file path=ppt/slideLayouts/slideLayout6.xml><?xml version="1.0" encoding="utf-8"?>
-<p:sldLayout xmlns:a="http://schemas.openxmlformats.org/drawingml/2006/main" xmlns:r="http://schemas.openxmlformats.org/officeDocument/2006/relationships" xmlns:mc="http://schemas.openxmlformats.org/markup-compatibility/2006" xmlns:mv="urn:schemas-microsoft-com:mac:vml" xmlns:p="http://schemas.openxmlformats.org/presentationml/2006/main" xmlns:c="http://schemas.openxmlformats.org/drawingml/2006/chart" xmlns:dgm="http://schemas.openxmlformats.org/drawingml/2006/diagram" xmlns:o="urn:schemas-microsoft-com:office:office" xmlns:v="urn:schemas-microsoft-com:vml" xmlns:pvml="urn:schemas-microsoft-com:office:powerpoint" xmlns:com="http://schemas.openxmlformats.org/drawingml/2006/compatibility" xmlns:p14="http://schemas.microsoft.com/office/powerpoint/2010/main" xmlns:p15="http://schemas.microsoft.com/office/powerpoint/2012/main" xmlns:ahyp="http://schemas.microsoft.com/office/drawing/2018/hyperlinkcolor" matchingName="One column text">
+<p:sldLayout xmlns:a="http://schemas.openxmlformats.org/drawingml/2006/main" xmlns:r="http://schemas.openxmlformats.org/officeDocument/2006/relationships" xmlns:p="http://schemas.openxmlformats.org/presentationml/2006/main" matchingName="One column text">
   <p:cSld name="ONE_COLUMN_TEXT">
     <p:spTree>
       <p:nvGrpSpPr>
-        <p:cNvPr id="29" name="Shape 29"/>
+        <p:cNvPr id="1" name="Shape 29"/>
         <p:cNvGrpSpPr/>
         <p:nvPr/>
       </p:nvGrpSpPr>
@@ -3433,7 +3551,9 @@
       <p:sp>
         <p:nvSpPr>
           <p:cNvPr id="30" name="Google Shape;30;p7"/>
-          <p:cNvSpPr txBox="1"/>
+          <p:cNvSpPr txBox="1">
+            <a:spLocks noGrp="1"/>
+          </p:cNvSpPr>
           <p:nvPr>
             <p:ph type="title"/>
           </p:nvPr>
@@ -3448,7 +3568,7 @@
           </a:prstGeom>
         </p:spPr>
         <p:txBody>
-          <a:bodyPr anchorCtr="0" anchor="b" bIns="91425" lIns="91425" spcFirstLastPara="1" rIns="91425" wrap="square" tIns="91425">
+          <a:bodyPr spcFirstLastPara="1" wrap="square" lIns="91425" tIns="91425" rIns="91425" bIns="91425" anchor="b" anchorCtr="0">
             <a:normAutofit/>
           </a:bodyPr>
           <a:lstStyle>
@@ -3552,15 +3672,19 @@
               <a:defRPr sz="2400"/>
             </a:lvl9pPr>
           </a:lstStyle>
-          <a:p/>
+          <a:p>
+            <a:endParaRPr/>
+          </a:p>
         </p:txBody>
       </p:sp>
       <p:sp>
         <p:nvSpPr>
           <p:cNvPr id="31" name="Google Shape;31;p7"/>
-          <p:cNvSpPr txBox="1"/>
+          <p:cNvSpPr txBox="1">
+            <a:spLocks noGrp="1"/>
+          </p:cNvSpPr>
           <p:nvPr>
-            <p:ph idx="1" type="body"/>
+            <p:ph type="body" idx="1"/>
           </p:nvPr>
         </p:nvSpPr>
         <p:spPr>
@@ -3573,11 +3697,11 @@
           </a:prstGeom>
         </p:spPr>
         <p:txBody>
-          <a:bodyPr anchorCtr="0" anchor="t" bIns="91425" lIns="91425" spcFirstLastPara="1" rIns="91425" wrap="square" tIns="91425">
+          <a:bodyPr spcFirstLastPara="1" wrap="square" lIns="91425" tIns="91425" rIns="91425" bIns="91425" anchor="t" anchorCtr="0">
             <a:normAutofit/>
           </a:bodyPr>
           <a:lstStyle>
-            <a:lvl1pPr indent="-304800" lvl="0" marL="457200">
+            <a:lvl1pPr marL="457200" lvl="0" indent="-304800">
               <a:spcBef>
                 <a:spcPts val="0"/>
               </a:spcBef>
@@ -3588,7 +3712,7 @@
               <a:buChar char="●"/>
               <a:defRPr sz="1200"/>
             </a:lvl1pPr>
-            <a:lvl2pPr indent="-304800" lvl="1" marL="914400">
+            <a:lvl2pPr marL="914400" lvl="1" indent="-304800">
               <a:spcBef>
                 <a:spcPts val="0"/>
               </a:spcBef>
@@ -3599,7 +3723,7 @@
               <a:buChar char="○"/>
               <a:defRPr sz="1200"/>
             </a:lvl2pPr>
-            <a:lvl3pPr indent="-304800" lvl="2" marL="1371600">
+            <a:lvl3pPr marL="1371600" lvl="2" indent="-304800">
               <a:spcBef>
                 <a:spcPts val="0"/>
               </a:spcBef>
@@ -3610,7 +3734,7 @@
               <a:buChar char="■"/>
               <a:defRPr sz="1200"/>
             </a:lvl3pPr>
-            <a:lvl4pPr indent="-304800" lvl="3" marL="1828800">
+            <a:lvl4pPr marL="1828800" lvl="3" indent="-304800">
               <a:spcBef>
                 <a:spcPts val="0"/>
               </a:spcBef>
@@ -3621,7 +3745,7 @@
               <a:buChar char="●"/>
               <a:defRPr sz="1200"/>
             </a:lvl4pPr>
-            <a:lvl5pPr indent="-304800" lvl="4" marL="2286000">
+            <a:lvl5pPr marL="2286000" lvl="4" indent="-304800">
               <a:spcBef>
                 <a:spcPts val="0"/>
               </a:spcBef>
@@ -3632,7 +3756,7 @@
               <a:buChar char="○"/>
               <a:defRPr sz="1200"/>
             </a:lvl5pPr>
-            <a:lvl6pPr indent="-304800" lvl="5" marL="2743200">
+            <a:lvl6pPr marL="2743200" lvl="5" indent="-304800">
               <a:spcBef>
                 <a:spcPts val="0"/>
               </a:spcBef>
@@ -3643,7 +3767,7 @@
               <a:buChar char="■"/>
               <a:defRPr sz="1200"/>
             </a:lvl6pPr>
-            <a:lvl7pPr indent="-304800" lvl="6" marL="3200400">
+            <a:lvl7pPr marL="3200400" lvl="6" indent="-304800">
               <a:spcBef>
                 <a:spcPts val="0"/>
               </a:spcBef>
@@ -3654,7 +3778,7 @@
               <a:buChar char="●"/>
               <a:defRPr sz="1200"/>
             </a:lvl7pPr>
-            <a:lvl8pPr indent="-304800" lvl="7" marL="3657600">
+            <a:lvl8pPr marL="3657600" lvl="7" indent="-304800">
               <a:spcBef>
                 <a:spcPts val="0"/>
               </a:spcBef>
@@ -3665,7 +3789,7 @@
               <a:buChar char="○"/>
               <a:defRPr sz="1200"/>
             </a:lvl8pPr>
-            <a:lvl9pPr indent="-304800" lvl="8" marL="4114800">
+            <a:lvl9pPr marL="4114800" lvl="8" indent="-304800">
               <a:spcBef>
                 <a:spcPts val="0"/>
               </a:spcBef>
@@ -3677,15 +3801,19 @@
               <a:defRPr sz="1200"/>
             </a:lvl9pPr>
           </a:lstStyle>
-          <a:p/>
+          <a:p>
+            <a:endParaRPr/>
+          </a:p>
         </p:txBody>
       </p:sp>
       <p:sp>
         <p:nvSpPr>
           <p:cNvPr id="32" name="Google Shape;32;p7"/>
-          <p:cNvSpPr txBox="1"/>
+          <p:cNvSpPr txBox="1">
+            <a:spLocks noGrp="1"/>
+          </p:cNvSpPr>
           <p:nvPr>
-            <p:ph idx="12" type="sldNum"/>
+            <p:ph type="sldNum" idx="12"/>
           </p:nvPr>
         </p:nvSpPr>
         <p:spPr>
@@ -3698,7 +3826,7 @@
           </a:prstGeom>
         </p:spPr>
         <p:txBody>
-          <a:bodyPr anchorCtr="0" anchor="ctr" bIns="91425" lIns="91425" spcFirstLastPara="1" rIns="91425" wrap="square" tIns="91425">
+          <a:bodyPr spcFirstLastPara="1" wrap="square" lIns="91425" tIns="91425" rIns="91425" bIns="91425" anchor="ctr" anchorCtr="0">
             <a:normAutofit/>
           </a:bodyPr>
           <a:lstStyle>
@@ -3740,7 +3868,7 @@
             </a:lvl9pPr>
           </a:lstStyle>
           <a:p>
-            <a:pPr indent="0" lvl="0" marL="0" rtl="0" algn="r">
+            <a:pPr marL="0" lvl="0" indent="0" algn="r" rtl="0">
               <a:spcBef>
                 <a:spcPts val="0"/>
               </a:spcBef>
@@ -3766,18 +3894,19 @@
 </file>
 
 <file path=ppt/slideLayouts/slideLayout7.xml><?xml version="1.0" encoding="utf-8"?>
-<p:sldLayout xmlns:a="http://schemas.openxmlformats.org/drawingml/2006/main" xmlns:r="http://schemas.openxmlformats.org/officeDocument/2006/relationships" xmlns:mc="http://schemas.openxmlformats.org/markup-compatibility/2006" xmlns:mv="urn:schemas-microsoft-com:mac:vml" xmlns:p="http://schemas.openxmlformats.org/presentationml/2006/main" xmlns:c="http://schemas.openxmlformats.org/drawingml/2006/chart" xmlns:dgm="http://schemas.openxmlformats.org/drawingml/2006/diagram" xmlns:o="urn:schemas-microsoft-com:office:office" xmlns:v="urn:schemas-microsoft-com:vml" xmlns:pvml="urn:schemas-microsoft-com:office:powerpoint" xmlns:com="http://schemas.openxmlformats.org/drawingml/2006/compatibility" xmlns:p14="http://schemas.microsoft.com/office/powerpoint/2010/main" xmlns:p15="http://schemas.microsoft.com/office/powerpoint/2012/main" xmlns:ahyp="http://schemas.microsoft.com/office/drawing/2018/hyperlinkcolor" matchingName="Main point">
+<p:sldLayout xmlns:a="http://schemas.openxmlformats.org/drawingml/2006/main" xmlns:r="http://schemas.openxmlformats.org/officeDocument/2006/relationships" xmlns:p="http://schemas.openxmlformats.org/presentationml/2006/main" matchingName="Main point">
   <p:cSld name="MAIN_POINT">
     <p:bg>
       <p:bgPr>
         <a:solidFill>
           <a:schemeClr val="accent3"/>
         </a:solidFill>
+        <a:effectLst/>
       </p:bgPr>
     </p:bg>
     <p:spTree>
       <p:nvGrpSpPr>
-        <p:cNvPr id="33" name="Shape 33"/>
+        <p:cNvPr id="1" name="Shape 33"/>
         <p:cNvGrpSpPr/>
         <p:nvPr/>
       </p:nvGrpSpPr>
@@ -3792,7 +3921,9 @@
       <p:sp>
         <p:nvSpPr>
           <p:cNvPr id="34" name="Google Shape;34;p8"/>
-          <p:cNvSpPr txBox="1"/>
+          <p:cNvSpPr txBox="1">
+            <a:spLocks noGrp="1"/>
+          </p:cNvSpPr>
           <p:nvPr>
             <p:ph type="title"/>
           </p:nvPr>
@@ -3807,7 +3938,7 @@
           </a:prstGeom>
         </p:spPr>
         <p:txBody>
-          <a:bodyPr anchorCtr="0" anchor="ctr" bIns="91425" lIns="91425" spcFirstLastPara="1" rIns="91425" wrap="square" tIns="91425">
+          <a:bodyPr spcFirstLastPara="1" wrap="square" lIns="91425" tIns="91425" rIns="91425" bIns="91425" anchor="ctr" anchorCtr="0">
             <a:normAutofit/>
           </a:bodyPr>
           <a:lstStyle>
@@ -3974,15 +4105,19 @@
               </a:defRPr>
             </a:lvl9pPr>
           </a:lstStyle>
-          <a:p/>
+          <a:p>
+            <a:endParaRPr/>
+          </a:p>
         </p:txBody>
       </p:sp>
       <p:sp>
         <p:nvSpPr>
           <p:cNvPr id="35" name="Google Shape;35;p8"/>
-          <p:cNvSpPr txBox="1"/>
+          <p:cNvSpPr txBox="1">
+            <a:spLocks noGrp="1"/>
+          </p:cNvSpPr>
           <p:nvPr>
-            <p:ph idx="12" type="sldNum"/>
+            <p:ph type="sldNum" idx="12"/>
           </p:nvPr>
         </p:nvSpPr>
         <p:spPr>
@@ -3995,7 +4130,7 @@
           </a:prstGeom>
         </p:spPr>
         <p:txBody>
-          <a:bodyPr anchorCtr="0" anchor="ctr" bIns="91425" lIns="91425" spcFirstLastPara="1" rIns="91425" wrap="square" tIns="91425">
+          <a:bodyPr spcFirstLastPara="1" wrap="square" lIns="91425" tIns="91425" rIns="91425" bIns="91425" anchor="ctr" anchorCtr="0">
             <a:normAutofit/>
           </a:bodyPr>
           <a:lstStyle>
@@ -4073,7 +4208,7 @@
             </a:lvl9pPr>
           </a:lstStyle>
           <a:p>
-            <a:pPr indent="0" lvl="0" marL="0" rtl="0" algn="r">
+            <a:pPr marL="0" lvl="0" indent="0" algn="r" rtl="0">
               <a:spcBef>
                 <a:spcPts val="0"/>
               </a:spcBef>
@@ -4099,11 +4234,11 @@
 </file>
 
 <file path=ppt/slideLayouts/slideLayout8.xml><?xml version="1.0" encoding="utf-8"?>
-<p:sldLayout xmlns:a="http://schemas.openxmlformats.org/drawingml/2006/main" xmlns:r="http://schemas.openxmlformats.org/officeDocument/2006/relationships" xmlns:mc="http://schemas.openxmlformats.org/markup-compatibility/2006" xmlns:mv="urn:schemas-microsoft-com:mac:vml" xmlns:p="http://schemas.openxmlformats.org/presentationml/2006/main" xmlns:c="http://schemas.openxmlformats.org/drawingml/2006/chart" xmlns:dgm="http://schemas.openxmlformats.org/drawingml/2006/diagram" xmlns:o="urn:schemas-microsoft-com:office:office" xmlns:v="urn:schemas-microsoft-com:vml" xmlns:pvml="urn:schemas-microsoft-com:office:powerpoint" xmlns:com="http://schemas.openxmlformats.org/drawingml/2006/compatibility" xmlns:p14="http://schemas.microsoft.com/office/powerpoint/2010/main" xmlns:p15="http://schemas.microsoft.com/office/powerpoint/2012/main" xmlns:ahyp="http://schemas.microsoft.com/office/drawing/2018/hyperlinkcolor" matchingName="Section title and description">
+<p:sldLayout xmlns:a="http://schemas.openxmlformats.org/drawingml/2006/main" xmlns:r="http://schemas.openxmlformats.org/officeDocument/2006/relationships" xmlns:p="http://schemas.openxmlformats.org/presentationml/2006/main" matchingName="Section title and description">
   <p:cSld name="SECTION_TITLE_AND_DESCRIPTION">
     <p:spTree>
       <p:nvGrpSpPr>
-        <p:cNvPr id="36" name="Shape 36"/>
+        <p:cNvPr id="1" name="Shape 36"/>
         <p:cNvGrpSpPr/>
         <p:nvPr/>
       </p:nvGrpSpPr>
@@ -4137,12 +4272,12 @@
           </a:ln>
         </p:spPr>
         <p:txBody>
-          <a:bodyPr anchorCtr="0" anchor="ctr" bIns="91425" lIns="91425" spcFirstLastPara="1" rIns="91425" wrap="square" tIns="91425">
+          <a:bodyPr spcFirstLastPara="1" wrap="square" lIns="91425" tIns="91425" rIns="91425" bIns="91425" anchor="ctr" anchorCtr="0">
             <a:noAutofit/>
           </a:bodyPr>
           <a:lstStyle/>
           <a:p>
-            <a:pPr indent="0" lvl="0" marL="0" rtl="0" algn="l">
+            <a:pPr marL="0" lvl="0" indent="0" algn="l" rtl="0">
               <a:spcBef>
                 <a:spcPts val="0"/>
               </a:spcBef>
@@ -4151,9 +4286,6 @@
               </a:spcAft>
               <a:buNone/>
             </a:pPr>
-            <a:r>
-              <a:t/>
-            </a:r>
             <a:endParaRPr/>
           </a:p>
         </p:txBody>
@@ -4173,21 +4305,23 @@
             <a:avLst/>
           </a:prstGeom>
           <a:noFill/>
-          <a:ln cap="flat" cmpd="sng" w="19050">
+          <a:ln w="19050" cap="flat" cmpd="sng">
             <a:solidFill>
               <a:schemeClr val="lt1"/>
             </a:solidFill>
             <a:prstDash val="solid"/>
             <a:round/>
-            <a:headEnd len="sm" w="sm" type="none"/>
-            <a:tailEnd len="sm" w="sm" type="none"/>
+            <a:headEnd type="none" w="sm" len="sm"/>
+            <a:tailEnd type="none" w="sm" len="sm"/>
           </a:ln>
         </p:spPr>
       </p:cxnSp>
       <p:sp>
         <p:nvSpPr>
           <p:cNvPr id="39" name="Google Shape;39;p9"/>
-          <p:cNvSpPr txBox="1"/>
+          <p:cNvSpPr txBox="1">
+            <a:spLocks noGrp="1"/>
+          </p:cNvSpPr>
           <p:nvPr>
             <p:ph type="title"/>
           </p:nvPr>
@@ -4202,7 +4336,7 @@
           </a:prstGeom>
         </p:spPr>
         <p:txBody>
-          <a:bodyPr anchorCtr="0" anchor="b" bIns="91425" lIns="91425" spcFirstLastPara="1" rIns="91425" wrap="square" tIns="91425">
+          <a:bodyPr spcFirstLastPara="1" wrap="square" lIns="91425" tIns="91425" rIns="91425" bIns="91425" anchor="b" anchorCtr="0">
             <a:normAutofit/>
           </a:bodyPr>
           <a:lstStyle>
@@ -4306,15 +4440,19 @@
               <a:defRPr sz="3800"/>
             </a:lvl9pPr>
           </a:lstStyle>
-          <a:p/>
+          <a:p>
+            <a:endParaRPr/>
+          </a:p>
         </p:txBody>
       </p:sp>
       <p:sp>
         <p:nvSpPr>
           <p:cNvPr id="40" name="Google Shape;40;p9"/>
-          <p:cNvSpPr txBox="1"/>
+          <p:cNvSpPr txBox="1">
+            <a:spLocks noGrp="1"/>
+          </p:cNvSpPr>
           <p:nvPr>
-            <p:ph idx="1" type="subTitle"/>
+            <p:ph type="subTitle" idx="1"/>
           </p:nvPr>
         </p:nvSpPr>
         <p:spPr>
@@ -4327,7 +4465,7 @@
           </a:prstGeom>
         </p:spPr>
         <p:txBody>
-          <a:bodyPr anchorCtr="0" anchor="t" bIns="91425" lIns="91425" spcFirstLastPara="1" rIns="91425" wrap="square" tIns="91425">
+          <a:bodyPr spcFirstLastPara="1" wrap="square" lIns="91425" tIns="91425" rIns="91425" bIns="91425" anchor="t" anchorCtr="0">
             <a:normAutofit/>
           </a:bodyPr>
           <a:lstStyle>
@@ -4458,15 +4596,19 @@
               <a:defRPr sz="1800"/>
             </a:lvl9pPr>
           </a:lstStyle>
-          <a:p/>
+          <a:p>
+            <a:endParaRPr/>
+          </a:p>
         </p:txBody>
       </p:sp>
       <p:sp>
         <p:nvSpPr>
           <p:cNvPr id="41" name="Google Shape;41;p9"/>
-          <p:cNvSpPr txBox="1"/>
+          <p:cNvSpPr txBox="1">
+            <a:spLocks noGrp="1"/>
+          </p:cNvSpPr>
           <p:nvPr>
-            <p:ph idx="2" type="body"/>
+            <p:ph type="body" idx="2"/>
           </p:nvPr>
         </p:nvSpPr>
         <p:spPr>
@@ -4479,11 +4621,11 @@
           </a:prstGeom>
         </p:spPr>
         <p:txBody>
-          <a:bodyPr anchorCtr="0" anchor="ctr" bIns="91425" lIns="91425" spcFirstLastPara="1" rIns="91425" wrap="square" tIns="91425">
+          <a:bodyPr spcFirstLastPara="1" wrap="square" lIns="91425" tIns="91425" rIns="91425" bIns="91425" anchor="ctr" anchorCtr="0">
             <a:normAutofit/>
           </a:bodyPr>
           <a:lstStyle>
-            <a:lvl1pPr indent="-342900" lvl="0" marL="457200">
+            <a:lvl1pPr marL="457200" lvl="0" indent="-342900">
               <a:spcBef>
                 <a:spcPts val="0"/>
               </a:spcBef>
@@ -4501,7 +4643,7 @@
                 </a:solidFill>
               </a:defRPr>
             </a:lvl1pPr>
-            <a:lvl2pPr indent="-317500" lvl="1" marL="914400">
+            <a:lvl2pPr marL="914400" lvl="1" indent="-317500">
               <a:spcBef>
                 <a:spcPts val="0"/>
               </a:spcBef>
@@ -4519,7 +4661,7 @@
                 </a:solidFill>
               </a:defRPr>
             </a:lvl2pPr>
-            <a:lvl3pPr indent="-317500" lvl="2" marL="1371600">
+            <a:lvl3pPr marL="1371600" lvl="2" indent="-317500">
               <a:spcBef>
                 <a:spcPts val="0"/>
               </a:spcBef>
@@ -4537,7 +4679,7 @@
                 </a:solidFill>
               </a:defRPr>
             </a:lvl3pPr>
-            <a:lvl4pPr indent="-317500" lvl="3" marL="1828800">
+            <a:lvl4pPr marL="1828800" lvl="3" indent="-317500">
               <a:spcBef>
                 <a:spcPts val="0"/>
               </a:spcBef>
@@ -4555,7 +4697,7 @@
                 </a:solidFill>
               </a:defRPr>
             </a:lvl4pPr>
-            <a:lvl5pPr indent="-317500" lvl="4" marL="2286000">
+            <a:lvl5pPr marL="2286000" lvl="4" indent="-317500">
               <a:spcBef>
                 <a:spcPts val="0"/>
               </a:spcBef>
@@ -4573,7 +4715,7 @@
                 </a:solidFill>
               </a:defRPr>
             </a:lvl5pPr>
-            <a:lvl6pPr indent="-317500" lvl="5" marL="2743200">
+            <a:lvl6pPr marL="2743200" lvl="5" indent="-317500">
               <a:spcBef>
                 <a:spcPts val="0"/>
               </a:spcBef>
@@ -4591,7 +4733,7 @@
                 </a:solidFill>
               </a:defRPr>
             </a:lvl6pPr>
-            <a:lvl7pPr indent="-317500" lvl="6" marL="3200400">
+            <a:lvl7pPr marL="3200400" lvl="6" indent="-317500">
               <a:spcBef>
                 <a:spcPts val="0"/>
               </a:spcBef>
@@ -4609,7 +4751,7 @@
                 </a:solidFill>
               </a:defRPr>
             </a:lvl7pPr>
-            <a:lvl8pPr indent="-317500" lvl="7" marL="3657600">
+            <a:lvl8pPr marL="3657600" lvl="7" indent="-317500">
               <a:spcBef>
                 <a:spcPts val="0"/>
               </a:spcBef>
@@ -4627,7 +4769,7 @@
                 </a:solidFill>
               </a:defRPr>
             </a:lvl8pPr>
-            <a:lvl9pPr indent="-317500" lvl="8" marL="4114800">
+            <a:lvl9pPr marL="4114800" lvl="8" indent="-317500">
               <a:spcBef>
                 <a:spcPts val="0"/>
               </a:spcBef>
@@ -4646,15 +4788,19 @@
               </a:defRPr>
             </a:lvl9pPr>
           </a:lstStyle>
-          <a:p/>
+          <a:p>
+            <a:endParaRPr/>
+          </a:p>
         </p:txBody>
       </p:sp>
       <p:sp>
         <p:nvSpPr>
           <p:cNvPr id="42" name="Google Shape;42;p9"/>
-          <p:cNvSpPr txBox="1"/>
+          <p:cNvSpPr txBox="1">
+            <a:spLocks noGrp="1"/>
+          </p:cNvSpPr>
           <p:nvPr>
-            <p:ph idx="12" type="sldNum"/>
+            <p:ph type="sldNum" idx="12"/>
           </p:nvPr>
         </p:nvSpPr>
         <p:spPr>
@@ -4667,7 +4813,7 @@
           </a:prstGeom>
         </p:spPr>
         <p:txBody>
-          <a:bodyPr anchorCtr="0" anchor="ctr" bIns="91425" lIns="91425" spcFirstLastPara="1" rIns="91425" wrap="square" tIns="91425">
+          <a:bodyPr spcFirstLastPara="1" wrap="square" lIns="91425" tIns="91425" rIns="91425" bIns="91425" anchor="ctr" anchorCtr="0">
             <a:normAutofit/>
           </a:bodyPr>
           <a:lstStyle>
@@ -4745,7 +4891,7 @@
             </a:lvl9pPr>
           </a:lstStyle>
           <a:p>
-            <a:pPr indent="0" lvl="0" marL="0" rtl="0" algn="r">
+            <a:pPr marL="0" lvl="0" indent="0" algn="r" rtl="0">
               <a:spcBef>
                 <a:spcPts val="0"/>
               </a:spcBef>
@@ -4771,11 +4917,11 @@
 </file>
 
 <file path=ppt/slideLayouts/slideLayout9.xml><?xml version="1.0" encoding="utf-8"?>
-<p:sldLayout xmlns:a="http://schemas.openxmlformats.org/drawingml/2006/main" xmlns:r="http://schemas.openxmlformats.org/officeDocument/2006/relationships" xmlns:mc="http://schemas.openxmlformats.org/markup-compatibility/2006" xmlns:mv="urn:schemas-microsoft-com:mac:vml" xmlns:p="http://schemas.openxmlformats.org/presentationml/2006/main" xmlns:c="http://schemas.openxmlformats.org/drawingml/2006/chart" xmlns:dgm="http://schemas.openxmlformats.org/drawingml/2006/diagram" xmlns:o="urn:schemas-microsoft-com:office:office" xmlns:v="urn:schemas-microsoft-com:vml" xmlns:pvml="urn:schemas-microsoft-com:office:powerpoint" xmlns:com="http://schemas.openxmlformats.org/drawingml/2006/compatibility" xmlns:p14="http://schemas.microsoft.com/office/powerpoint/2010/main" xmlns:p15="http://schemas.microsoft.com/office/powerpoint/2012/main" xmlns:ahyp="http://schemas.microsoft.com/office/drawing/2018/hyperlinkcolor" matchingName="Caption">
+<p:sldLayout xmlns:a="http://schemas.openxmlformats.org/drawingml/2006/main" xmlns:r="http://schemas.openxmlformats.org/officeDocument/2006/relationships" xmlns:p="http://schemas.openxmlformats.org/presentationml/2006/main" matchingName="Caption">
   <p:cSld name="CAPTION_ONLY">
     <p:spTree>
       <p:nvGrpSpPr>
-        <p:cNvPr id="43" name="Shape 43"/>
+        <p:cNvPr id="1" name="Shape 43"/>
         <p:cNvGrpSpPr/>
         <p:nvPr/>
       </p:nvGrpSpPr>
@@ -4790,9 +4936,11 @@
       <p:sp>
         <p:nvSpPr>
           <p:cNvPr id="44" name="Google Shape;44;p10"/>
-          <p:cNvSpPr txBox="1"/>
+          <p:cNvSpPr txBox="1">
+            <a:spLocks noGrp="1"/>
+          </p:cNvSpPr>
           <p:nvPr>
-            <p:ph idx="1" type="body"/>
+            <p:ph type="body" idx="1"/>
           </p:nvPr>
         </p:nvSpPr>
         <p:spPr>
@@ -4805,11 +4953,11 @@
           </a:prstGeom>
         </p:spPr>
         <p:txBody>
-          <a:bodyPr anchorCtr="0" anchor="ctr" bIns="91425" lIns="91425" spcFirstLastPara="1" rIns="91425" wrap="square" tIns="91425">
+          <a:bodyPr spcFirstLastPara="1" wrap="square" lIns="91425" tIns="91425" rIns="91425" bIns="91425" anchor="ctr" anchorCtr="0">
             <a:normAutofit/>
           </a:bodyPr>
           <a:lstStyle>
-            <a:lvl1pPr indent="-228600" lvl="0" marL="457200">
+            <a:lvl1pPr marL="457200" lvl="0" indent="-228600">
               <a:lnSpc>
                 <a:spcPct val="100000"/>
               </a:lnSpc>
@@ -4836,15 +4984,19 @@
               </a:defRPr>
             </a:lvl1pPr>
           </a:lstStyle>
-          <a:p/>
+          <a:p>
+            <a:endParaRPr/>
+          </a:p>
         </p:txBody>
       </p:sp>
       <p:sp>
         <p:nvSpPr>
           <p:cNvPr id="45" name="Google Shape;45;p10"/>
-          <p:cNvSpPr txBox="1"/>
+          <p:cNvSpPr txBox="1">
+            <a:spLocks noGrp="1"/>
+          </p:cNvSpPr>
           <p:nvPr>
-            <p:ph idx="12" type="sldNum"/>
+            <p:ph type="sldNum" idx="12"/>
           </p:nvPr>
         </p:nvSpPr>
         <p:spPr>
@@ -4857,7 +5009,7 @@
           </a:prstGeom>
         </p:spPr>
         <p:txBody>
-          <a:bodyPr anchorCtr="0" anchor="ctr" bIns="91425" lIns="91425" spcFirstLastPara="1" rIns="91425" wrap="square" tIns="91425">
+          <a:bodyPr spcFirstLastPara="1" wrap="square" lIns="91425" tIns="91425" rIns="91425" bIns="91425" anchor="ctr" anchorCtr="0">
             <a:normAutofit/>
           </a:bodyPr>
           <a:lstStyle>
@@ -4899,7 +5051,7 @@
             </a:lvl9pPr>
           </a:lstStyle>
           <a:p>
-            <a:pPr indent="0" lvl="0" marL="0" rtl="0" algn="r">
+            <a:pPr marL="0" lvl="0" indent="0" algn="r" rtl="0">
               <a:spcBef>
                 <a:spcPts val="0"/>
               </a:spcBef>
@@ -4925,18 +5077,19 @@
 </file>
 
 <file path=ppt/slideMasters/slideMaster1.xml><?xml version="1.0" encoding="utf-8"?>
-<p:sldMaster xmlns:a="http://schemas.openxmlformats.org/drawingml/2006/main" xmlns:r="http://schemas.openxmlformats.org/officeDocument/2006/relationships" xmlns:mc="http://schemas.openxmlformats.org/markup-compatibility/2006" xmlns:mv="urn:schemas-microsoft-com:mac:vml" xmlns:p="http://schemas.openxmlformats.org/presentationml/2006/main" xmlns:c="http://schemas.openxmlformats.org/drawingml/2006/chart" xmlns:dgm="http://schemas.openxmlformats.org/drawingml/2006/diagram" xmlns:o="urn:schemas-microsoft-com:office:office" xmlns:v="urn:schemas-microsoft-com:vml" xmlns:pvml="urn:schemas-microsoft-com:office:powerpoint" xmlns:com="http://schemas.openxmlformats.org/drawingml/2006/compatibility" xmlns:p14="http://schemas.microsoft.com/office/powerpoint/2010/main" xmlns:p15="http://schemas.microsoft.com/office/powerpoint/2012/main" xmlns:ahyp="http://schemas.microsoft.com/office/drawing/2018/hyperlinkcolor">
+<p:sldMaster xmlns:a="http://schemas.openxmlformats.org/drawingml/2006/main" xmlns:r="http://schemas.openxmlformats.org/officeDocument/2006/relationships" xmlns:p="http://schemas.openxmlformats.org/presentationml/2006/main">
   <p:cSld name="gameday">
     <p:bg>
       <p:bgPr>
         <a:solidFill>
           <a:schemeClr val="lt1"/>
         </a:solidFill>
+        <a:effectLst/>
       </p:bgPr>
     </p:bg>
     <p:spTree>
       <p:nvGrpSpPr>
-        <p:cNvPr id="5" name="Shape 5"/>
+        <p:cNvPr id="1" name="Shape 5"/>
         <p:cNvGrpSpPr/>
         <p:nvPr/>
       </p:nvGrpSpPr>
@@ -4951,7 +5104,9 @@
       <p:sp>
         <p:nvSpPr>
           <p:cNvPr id="6" name="Google Shape;6;p1"/>
-          <p:cNvSpPr txBox="1"/>
+          <p:cNvSpPr txBox="1">
+            <a:spLocks noGrp="1"/>
+          </p:cNvSpPr>
           <p:nvPr>
             <p:ph type="title"/>
           </p:nvPr>
@@ -4970,7 +5125,7 @@
           </a:ln>
         </p:spPr>
         <p:txBody>
-          <a:bodyPr anchorCtr="0" anchor="t" bIns="91425" lIns="91425" spcFirstLastPara="1" rIns="91425" wrap="square" tIns="91425">
+          <a:bodyPr spcFirstLastPara="1" wrap="square" lIns="91425" tIns="91425" rIns="91425" bIns="91425" anchor="t" anchorCtr="0">
             <a:normAutofit/>
           </a:bodyPr>
           <a:lstStyle>
@@ -5182,15 +5337,19 @@
               </a:defRPr>
             </a:lvl9pPr>
           </a:lstStyle>
-          <a:p/>
+          <a:p>
+            <a:endParaRPr/>
+          </a:p>
         </p:txBody>
       </p:sp>
       <p:sp>
         <p:nvSpPr>
           <p:cNvPr id="7" name="Google Shape;7;p1"/>
-          <p:cNvSpPr txBox="1"/>
+          <p:cNvSpPr txBox="1">
+            <a:spLocks noGrp="1"/>
+          </p:cNvSpPr>
           <p:nvPr>
-            <p:ph idx="1" type="body"/>
+            <p:ph type="body" idx="1"/>
           </p:nvPr>
         </p:nvSpPr>
         <p:spPr>
@@ -5207,11 +5366,11 @@
           </a:ln>
         </p:spPr>
         <p:txBody>
-          <a:bodyPr anchorCtr="0" anchor="t" bIns="91425" lIns="91425" spcFirstLastPara="1" rIns="91425" wrap="square" tIns="91425">
+          <a:bodyPr spcFirstLastPara="1" wrap="square" lIns="91425" tIns="91425" rIns="91425" bIns="91425" anchor="t" anchorCtr="0">
             <a:normAutofit/>
           </a:bodyPr>
           <a:lstStyle>
-            <a:lvl1pPr indent="-342900" lvl="0" marL="457200">
+            <a:lvl1pPr marL="457200" lvl="0" indent="-342900">
               <a:lnSpc>
                 <a:spcPct val="115000"/>
               </a:lnSpc>
@@ -5237,7 +5396,7 @@
                 <a:sym typeface="Proxima Nova"/>
               </a:defRPr>
             </a:lvl1pPr>
-            <a:lvl2pPr indent="-317500" lvl="1" marL="914400">
+            <a:lvl2pPr marL="914400" lvl="1" indent="-317500">
               <a:lnSpc>
                 <a:spcPct val="115000"/>
               </a:lnSpc>
@@ -5263,7 +5422,7 @@
                 <a:sym typeface="Proxima Nova"/>
               </a:defRPr>
             </a:lvl2pPr>
-            <a:lvl3pPr indent="-317500" lvl="2" marL="1371600">
+            <a:lvl3pPr marL="1371600" lvl="2" indent="-317500">
               <a:lnSpc>
                 <a:spcPct val="115000"/>
               </a:lnSpc>
@@ -5289,7 +5448,7 @@
                 <a:sym typeface="Proxima Nova"/>
               </a:defRPr>
             </a:lvl3pPr>
-            <a:lvl4pPr indent="-317500" lvl="3" marL="1828800">
+            <a:lvl4pPr marL="1828800" lvl="3" indent="-317500">
               <a:lnSpc>
                 <a:spcPct val="115000"/>
               </a:lnSpc>
@@ -5315,7 +5474,7 @@
                 <a:sym typeface="Proxima Nova"/>
               </a:defRPr>
             </a:lvl4pPr>
-            <a:lvl5pPr indent="-317500" lvl="4" marL="2286000">
+            <a:lvl5pPr marL="2286000" lvl="4" indent="-317500">
               <a:lnSpc>
                 <a:spcPct val="115000"/>
               </a:lnSpc>
@@ -5341,7 +5500,7 @@
                 <a:sym typeface="Proxima Nova"/>
               </a:defRPr>
             </a:lvl5pPr>
-            <a:lvl6pPr indent="-317500" lvl="5" marL="2743200">
+            <a:lvl6pPr marL="2743200" lvl="5" indent="-317500">
               <a:lnSpc>
                 <a:spcPct val="115000"/>
               </a:lnSpc>
@@ -5367,7 +5526,7 @@
                 <a:sym typeface="Proxima Nova"/>
               </a:defRPr>
             </a:lvl6pPr>
-            <a:lvl7pPr indent="-317500" lvl="6" marL="3200400">
+            <a:lvl7pPr marL="3200400" lvl="6" indent="-317500">
               <a:lnSpc>
                 <a:spcPct val="115000"/>
               </a:lnSpc>
@@ -5393,7 +5552,7 @@
                 <a:sym typeface="Proxima Nova"/>
               </a:defRPr>
             </a:lvl7pPr>
-            <a:lvl8pPr indent="-317500" lvl="7" marL="3657600">
+            <a:lvl8pPr marL="3657600" lvl="7" indent="-317500">
               <a:lnSpc>
                 <a:spcPct val="115000"/>
               </a:lnSpc>
@@ -5419,7 +5578,7 @@
                 <a:sym typeface="Proxima Nova"/>
               </a:defRPr>
             </a:lvl8pPr>
-            <a:lvl9pPr indent="-317500" lvl="8" marL="4114800">
+            <a:lvl9pPr marL="4114800" lvl="8" indent="-317500">
               <a:lnSpc>
                 <a:spcPct val="115000"/>
               </a:lnSpc>
@@ -5446,15 +5605,19 @@
               </a:defRPr>
             </a:lvl9pPr>
           </a:lstStyle>
-          <a:p/>
+          <a:p>
+            <a:endParaRPr/>
+          </a:p>
         </p:txBody>
       </p:sp>
       <p:sp>
         <p:nvSpPr>
           <p:cNvPr id="8" name="Google Shape;8;p1"/>
-          <p:cNvSpPr txBox="1"/>
+          <p:cNvSpPr txBox="1">
+            <a:spLocks noGrp="1"/>
+          </p:cNvSpPr>
           <p:nvPr>
-            <p:ph idx="12" type="sldNum"/>
+            <p:ph type="sldNum" idx="12"/>
           </p:nvPr>
         </p:nvSpPr>
         <p:spPr>
@@ -5471,7 +5634,7 @@
           </a:ln>
         </p:spPr>
         <p:txBody>
-          <a:bodyPr anchorCtr="0" anchor="ctr" bIns="91425" lIns="91425" spcFirstLastPara="1" rIns="91425" wrap="square" tIns="91425">
+          <a:bodyPr spcFirstLastPara="1" wrap="square" lIns="91425" tIns="91425" rIns="91425" bIns="91425" anchor="ctr" anchorCtr="0">
             <a:normAutofit/>
           </a:bodyPr>
           <a:lstStyle>
@@ -5585,7 +5748,7 @@
             </a:lvl9pPr>
           </a:lstStyle>
           <a:p>
-            <a:pPr indent="0" lvl="0" marL="0" rtl="0" algn="r">
+            <a:pPr marL="0" lvl="0" indent="0" algn="r" rtl="0">
               <a:spcBef>
                 <a:spcPts val="0"/>
               </a:spcBef>
@@ -5604,7 +5767,7 @@
       </p:sp>
     </p:spTree>
   </p:cSld>
-  <p:clrMap accent1="accent1" accent2="accent2" accent3="accent3" accent4="accent4" accent5="accent5" accent6="accent6" bg1="lt1" bg2="dk2" tx1="dk1" tx2="lt2" folHlink="folHlink" hlink="hlink"/>
+  <p:clrMap bg1="lt1" tx1="dk1" bg2="dk2" tx2="lt2" accent1="accent1" accent2="accent2" accent3="accent3" accent4="accent4" accent5="accent5" accent6="accent6" hlink="hlink" folHlink="folHlink"/>
   <p:sldLayoutIdLst>
     <p:sldLayoutId id="2147483648" r:id="rId1"/>
     <p:sldLayoutId id="2147483649" r:id="rId2"/>
@@ -5618,10 +5781,10 @@
     <p:sldLayoutId id="2147483657" r:id="rId10"/>
     <p:sldLayoutId id="2147483658" r:id="rId11"/>
   </p:sldLayoutIdLst>
-  <p:hf dt="0" ftr="0" hdr="0" sldNum="0"/>
+  <p:hf sldNum="0" hdr="0" ftr="0" dt="0"/>
   <p:txStyles>
     <p:titleStyle>
-      <a:defPPr lvl="0" marR="0" rtl="0" algn="l">
+      <a:defPPr marR="0" lvl="0" algn="l" rtl="0">
         <a:lnSpc>
           <a:spcPct val="100000"/>
         </a:lnSpc>
@@ -5632,7 +5795,7 @@
           <a:spcPts val="0"/>
         </a:spcAft>
       </a:defPPr>
-      <a:lvl1pPr lvl="0" marR="0" rtl="0" algn="l">
+      <a:lvl1pPr marR="0" lvl="0" algn="l" rtl="0">
         <a:lnSpc>
           <a:spcPct val="100000"/>
         </a:lnSpc>
@@ -5646,7 +5809,7 @@
           <a:srgbClr val="000000"/>
         </a:buClr>
         <a:buFont typeface="Arial"/>
-        <a:defRPr b="0" i="0" sz="1400" u="none" cap="none" strike="noStrike">
+        <a:defRPr sz="1400" b="0" i="0" u="none" strike="noStrike" cap="none">
           <a:solidFill>
             <a:srgbClr val="000000"/>
           </a:solidFill>
@@ -5656,7 +5819,7 @@
           <a:sym typeface="Arial"/>
         </a:defRPr>
       </a:lvl1pPr>
-      <a:lvl2pPr lvl="1" marR="0" rtl="0" algn="l">
+      <a:lvl2pPr marR="0" lvl="1" algn="l" rtl="0">
         <a:lnSpc>
           <a:spcPct val="100000"/>
         </a:lnSpc>
@@ -5670,7 +5833,7 @@
           <a:srgbClr val="000000"/>
         </a:buClr>
         <a:buFont typeface="Arial"/>
-        <a:defRPr b="0" i="0" sz="1400" u="none" cap="none" strike="noStrike">
+        <a:defRPr sz="1400" b="0" i="0" u="none" strike="noStrike" cap="none">
           <a:solidFill>
             <a:srgbClr val="000000"/>
           </a:solidFill>
@@ -5680,7 +5843,7 @@
           <a:sym typeface="Arial"/>
         </a:defRPr>
       </a:lvl2pPr>
-      <a:lvl3pPr lvl="2" marR="0" rtl="0" algn="l">
+      <a:lvl3pPr marR="0" lvl="2" algn="l" rtl="0">
         <a:lnSpc>
           <a:spcPct val="100000"/>
         </a:lnSpc>
@@ -5694,7 +5857,7 @@
           <a:srgbClr val="000000"/>
         </a:buClr>
         <a:buFont typeface="Arial"/>
-        <a:defRPr b="0" i="0" sz="1400" u="none" cap="none" strike="noStrike">
+        <a:defRPr sz="1400" b="0" i="0" u="none" strike="noStrike" cap="none">
           <a:solidFill>
             <a:srgbClr val="000000"/>
           </a:solidFill>
@@ -5704,7 +5867,7 @@
           <a:sym typeface="Arial"/>
         </a:defRPr>
       </a:lvl3pPr>
-      <a:lvl4pPr lvl="3" marR="0" rtl="0" algn="l">
+      <a:lvl4pPr marR="0" lvl="3" algn="l" rtl="0">
         <a:lnSpc>
           <a:spcPct val="100000"/>
         </a:lnSpc>
@@ -5718,7 +5881,7 @@
           <a:srgbClr val="000000"/>
         </a:buClr>
         <a:buFont typeface="Arial"/>
-        <a:defRPr b="0" i="0" sz="1400" u="none" cap="none" strike="noStrike">
+        <a:defRPr sz="1400" b="0" i="0" u="none" strike="noStrike" cap="none">
           <a:solidFill>
             <a:srgbClr val="000000"/>
           </a:solidFill>
@@ -5728,7 +5891,7 @@
           <a:sym typeface="Arial"/>
         </a:defRPr>
       </a:lvl4pPr>
-      <a:lvl5pPr lvl="4" marR="0" rtl="0" algn="l">
+      <a:lvl5pPr marR="0" lvl="4" algn="l" rtl="0">
         <a:lnSpc>
           <a:spcPct val="100000"/>
         </a:lnSpc>
@@ -5742,7 +5905,7 @@
           <a:srgbClr val="000000"/>
         </a:buClr>
         <a:buFont typeface="Arial"/>
-        <a:defRPr b="0" i="0" sz="1400" u="none" cap="none" strike="noStrike">
+        <a:defRPr sz="1400" b="0" i="0" u="none" strike="noStrike" cap="none">
           <a:solidFill>
             <a:srgbClr val="000000"/>
           </a:solidFill>
@@ -5752,7 +5915,7 @@
           <a:sym typeface="Arial"/>
         </a:defRPr>
       </a:lvl5pPr>
-      <a:lvl6pPr lvl="5" marR="0" rtl="0" algn="l">
+      <a:lvl6pPr marR="0" lvl="5" algn="l" rtl="0">
         <a:lnSpc>
           <a:spcPct val="100000"/>
         </a:lnSpc>
@@ -5766,7 +5929,7 @@
           <a:srgbClr val="000000"/>
         </a:buClr>
         <a:buFont typeface="Arial"/>
-        <a:defRPr b="0" i="0" sz="1400" u="none" cap="none" strike="noStrike">
+        <a:defRPr sz="1400" b="0" i="0" u="none" strike="noStrike" cap="none">
           <a:solidFill>
             <a:srgbClr val="000000"/>
           </a:solidFill>
@@ -5776,7 +5939,7 @@
           <a:sym typeface="Arial"/>
         </a:defRPr>
       </a:lvl6pPr>
-      <a:lvl7pPr lvl="6" marR="0" rtl="0" algn="l">
+      <a:lvl7pPr marR="0" lvl="6" algn="l" rtl="0">
         <a:lnSpc>
           <a:spcPct val="100000"/>
         </a:lnSpc>
@@ -5790,7 +5953,7 @@
           <a:srgbClr val="000000"/>
         </a:buClr>
         <a:buFont typeface="Arial"/>
-        <a:defRPr b="0" i="0" sz="1400" u="none" cap="none" strike="noStrike">
+        <a:defRPr sz="1400" b="0" i="0" u="none" strike="noStrike" cap="none">
           <a:solidFill>
             <a:srgbClr val="000000"/>
           </a:solidFill>
@@ -5800,7 +5963,7 @@
           <a:sym typeface="Arial"/>
         </a:defRPr>
       </a:lvl7pPr>
-      <a:lvl8pPr lvl="7" marR="0" rtl="0" algn="l">
+      <a:lvl8pPr marR="0" lvl="7" algn="l" rtl="0">
         <a:lnSpc>
           <a:spcPct val="100000"/>
         </a:lnSpc>
@@ -5814,7 +5977,7 @@
           <a:srgbClr val="000000"/>
         </a:buClr>
         <a:buFont typeface="Arial"/>
-        <a:defRPr b="0" i="0" sz="1400" u="none" cap="none" strike="noStrike">
+        <a:defRPr sz="1400" b="0" i="0" u="none" strike="noStrike" cap="none">
           <a:solidFill>
             <a:srgbClr val="000000"/>
           </a:solidFill>
@@ -5824,7 +5987,7 @@
           <a:sym typeface="Arial"/>
         </a:defRPr>
       </a:lvl8pPr>
-      <a:lvl9pPr lvl="8" marR="0" rtl="0" algn="l">
+      <a:lvl9pPr marR="0" lvl="8" algn="l" rtl="0">
         <a:lnSpc>
           <a:spcPct val="100000"/>
         </a:lnSpc>
@@ -5838,7 +6001,7 @@
           <a:srgbClr val="000000"/>
         </a:buClr>
         <a:buFont typeface="Arial"/>
-        <a:defRPr b="0" i="0" sz="1400" u="none" cap="none" strike="noStrike">
+        <a:defRPr sz="1400" b="0" i="0" u="none" strike="noStrike" cap="none">
           <a:solidFill>
             <a:srgbClr val="000000"/>
           </a:solidFill>
@@ -5850,7 +6013,7 @@
       </a:lvl9pPr>
     </p:titleStyle>
     <p:bodyStyle>
-      <a:defPPr lvl="0" marR="0" rtl="0" algn="l">
+      <a:defPPr marR="0" lvl="0" algn="l" rtl="0">
         <a:lnSpc>
           <a:spcPct val="100000"/>
         </a:lnSpc>
@@ -5861,7 +6024,7 @@
           <a:spcPts val="0"/>
         </a:spcAft>
       </a:defPPr>
-      <a:lvl1pPr lvl="0" marR="0" rtl="0" algn="l">
+      <a:lvl1pPr marR="0" lvl="0" algn="l" rtl="0">
         <a:lnSpc>
           <a:spcPct val="100000"/>
         </a:lnSpc>
@@ -5875,7 +6038,7 @@
           <a:srgbClr val="000000"/>
         </a:buClr>
         <a:buFont typeface="Arial"/>
-        <a:defRPr b="0" i="0" sz="1400" u="none" cap="none" strike="noStrike">
+        <a:defRPr sz="1400" b="0" i="0" u="none" strike="noStrike" cap="none">
           <a:solidFill>
             <a:srgbClr val="000000"/>
           </a:solidFill>
@@ -5885,7 +6048,7 @@
           <a:sym typeface="Arial"/>
         </a:defRPr>
       </a:lvl1pPr>
-      <a:lvl2pPr lvl="1" marR="0" rtl="0" algn="l">
+      <a:lvl2pPr marR="0" lvl="1" algn="l" rtl="0">
         <a:lnSpc>
           <a:spcPct val="100000"/>
         </a:lnSpc>
@@ -5899,7 +6062,7 @@
           <a:srgbClr val="000000"/>
         </a:buClr>
         <a:buFont typeface="Arial"/>
-        <a:defRPr b="0" i="0" sz="1400" u="none" cap="none" strike="noStrike">
+        <a:defRPr sz="1400" b="0" i="0" u="none" strike="noStrike" cap="none">
           <a:solidFill>
             <a:srgbClr val="000000"/>
           </a:solidFill>
@@ -5909,7 +6072,7 @@
           <a:sym typeface="Arial"/>
         </a:defRPr>
       </a:lvl2pPr>
-      <a:lvl3pPr lvl="2" marR="0" rtl="0" algn="l">
+      <a:lvl3pPr marR="0" lvl="2" algn="l" rtl="0">
         <a:lnSpc>
           <a:spcPct val="100000"/>
         </a:lnSpc>
@@ -5923,7 +6086,7 @@
           <a:srgbClr val="000000"/>
         </a:buClr>
         <a:buFont typeface="Arial"/>
-        <a:defRPr b="0" i="0" sz="1400" u="none" cap="none" strike="noStrike">
+        <a:defRPr sz="1400" b="0" i="0" u="none" strike="noStrike" cap="none">
           <a:solidFill>
             <a:srgbClr val="000000"/>
           </a:solidFill>
@@ -5933,7 +6096,7 @@
           <a:sym typeface="Arial"/>
         </a:defRPr>
       </a:lvl3pPr>
-      <a:lvl4pPr lvl="3" marR="0" rtl="0" algn="l">
+      <a:lvl4pPr marR="0" lvl="3" algn="l" rtl="0">
         <a:lnSpc>
           <a:spcPct val="100000"/>
         </a:lnSpc>
@@ -5947,7 +6110,7 @@
           <a:srgbClr val="000000"/>
         </a:buClr>
         <a:buFont typeface="Arial"/>
-        <a:defRPr b="0" i="0" sz="1400" u="none" cap="none" strike="noStrike">
+        <a:defRPr sz="1400" b="0" i="0" u="none" strike="noStrike" cap="none">
           <a:solidFill>
             <a:srgbClr val="000000"/>
           </a:solidFill>
@@ -5957,7 +6120,7 @@
           <a:sym typeface="Arial"/>
         </a:defRPr>
       </a:lvl4pPr>
-      <a:lvl5pPr lvl="4" marR="0" rtl="0" algn="l">
+      <a:lvl5pPr marR="0" lvl="4" algn="l" rtl="0">
         <a:lnSpc>
           <a:spcPct val="100000"/>
         </a:lnSpc>
@@ -5971,7 +6134,7 @@
           <a:srgbClr val="000000"/>
         </a:buClr>
         <a:buFont typeface="Arial"/>
-        <a:defRPr b="0" i="0" sz="1400" u="none" cap="none" strike="noStrike">
+        <a:defRPr sz="1400" b="0" i="0" u="none" strike="noStrike" cap="none">
           <a:solidFill>
             <a:srgbClr val="000000"/>
           </a:solidFill>
@@ -5981,7 +6144,7 @@
           <a:sym typeface="Arial"/>
         </a:defRPr>
       </a:lvl5pPr>
-      <a:lvl6pPr lvl="5" marR="0" rtl="0" algn="l">
+      <a:lvl6pPr marR="0" lvl="5" algn="l" rtl="0">
         <a:lnSpc>
           <a:spcPct val="100000"/>
         </a:lnSpc>
@@ -5995,7 +6158,7 @@
           <a:srgbClr val="000000"/>
         </a:buClr>
         <a:buFont typeface="Arial"/>
-        <a:defRPr b="0" i="0" sz="1400" u="none" cap="none" strike="noStrike">
+        <a:defRPr sz="1400" b="0" i="0" u="none" strike="noStrike" cap="none">
           <a:solidFill>
             <a:srgbClr val="000000"/>
           </a:solidFill>
@@ -6005,7 +6168,7 @@
           <a:sym typeface="Arial"/>
         </a:defRPr>
       </a:lvl6pPr>
-      <a:lvl7pPr lvl="6" marR="0" rtl="0" algn="l">
+      <a:lvl7pPr marR="0" lvl="6" algn="l" rtl="0">
         <a:lnSpc>
           <a:spcPct val="100000"/>
         </a:lnSpc>
@@ -6019,7 +6182,7 @@
           <a:srgbClr val="000000"/>
         </a:buClr>
         <a:buFont typeface="Arial"/>
-        <a:defRPr b="0" i="0" sz="1400" u="none" cap="none" strike="noStrike">
+        <a:defRPr sz="1400" b="0" i="0" u="none" strike="noStrike" cap="none">
           <a:solidFill>
             <a:srgbClr val="000000"/>
           </a:solidFill>
@@ -6029,7 +6192,7 @@
           <a:sym typeface="Arial"/>
         </a:defRPr>
       </a:lvl7pPr>
-      <a:lvl8pPr lvl="7" marR="0" rtl="0" algn="l">
+      <a:lvl8pPr marR="0" lvl="7" algn="l" rtl="0">
         <a:lnSpc>
           <a:spcPct val="100000"/>
         </a:lnSpc>
@@ -6043,7 +6206,7 @@
           <a:srgbClr val="000000"/>
         </a:buClr>
         <a:buFont typeface="Arial"/>
-        <a:defRPr b="0" i="0" sz="1400" u="none" cap="none" strike="noStrike">
+        <a:defRPr sz="1400" b="0" i="0" u="none" strike="noStrike" cap="none">
           <a:solidFill>
             <a:srgbClr val="000000"/>
           </a:solidFill>
@@ -6053,7 +6216,7 @@
           <a:sym typeface="Arial"/>
         </a:defRPr>
       </a:lvl8pPr>
-      <a:lvl9pPr lvl="8" marR="0" rtl="0" algn="l">
+      <a:lvl9pPr marR="0" lvl="8" algn="l" rtl="0">
         <a:lnSpc>
           <a:spcPct val="100000"/>
         </a:lnSpc>
@@ -6067,7 +6230,7 @@
           <a:srgbClr val="000000"/>
         </a:buClr>
         <a:buFont typeface="Arial"/>
-        <a:defRPr b="0" i="0" sz="1400" u="none" cap="none" strike="noStrike">
+        <a:defRPr sz="1400" b="0" i="0" u="none" strike="noStrike" cap="none">
           <a:solidFill>
             <a:srgbClr val="000000"/>
           </a:solidFill>
@@ -6079,7 +6242,7 @@
       </a:lvl9pPr>
     </p:bodyStyle>
     <p:otherStyle>
-      <a:defPPr lvl="0" marR="0" rtl="0" algn="l">
+      <a:defPPr marR="0" lvl="0" algn="l" rtl="0">
         <a:lnSpc>
           <a:spcPct val="100000"/>
         </a:lnSpc>
@@ -6090,7 +6253,7 @@
           <a:spcPts val="0"/>
         </a:spcAft>
       </a:defPPr>
-      <a:lvl1pPr lvl="0" marR="0" rtl="0" algn="l">
+      <a:lvl1pPr marR="0" lvl="0" algn="l" rtl="0">
         <a:lnSpc>
           <a:spcPct val="100000"/>
         </a:lnSpc>
@@ -6104,7 +6267,7 @@
           <a:srgbClr val="000000"/>
         </a:buClr>
         <a:buFont typeface="Arial"/>
-        <a:defRPr b="0" i="0" sz="1400" u="none" cap="none" strike="noStrike">
+        <a:defRPr sz="1400" b="0" i="0" u="none" strike="noStrike" cap="none">
           <a:solidFill>
             <a:srgbClr val="000000"/>
           </a:solidFill>
@@ -6114,7 +6277,7 @@
           <a:sym typeface="Arial"/>
         </a:defRPr>
       </a:lvl1pPr>
-      <a:lvl2pPr lvl="1" marR="0" rtl="0" algn="l">
+      <a:lvl2pPr marR="0" lvl="1" algn="l" rtl="0">
         <a:lnSpc>
           <a:spcPct val="100000"/>
         </a:lnSpc>
@@ -6128,7 +6291,7 @@
           <a:srgbClr val="000000"/>
         </a:buClr>
         <a:buFont typeface="Arial"/>
-        <a:defRPr b="0" i="0" sz="1400" u="none" cap="none" strike="noStrike">
+        <a:defRPr sz="1400" b="0" i="0" u="none" strike="noStrike" cap="none">
           <a:solidFill>
             <a:srgbClr val="000000"/>
           </a:solidFill>
@@ -6138,7 +6301,7 @@
           <a:sym typeface="Arial"/>
         </a:defRPr>
       </a:lvl2pPr>
-      <a:lvl3pPr lvl="2" marR="0" rtl="0" algn="l">
+      <a:lvl3pPr marR="0" lvl="2" algn="l" rtl="0">
         <a:lnSpc>
           <a:spcPct val="100000"/>
         </a:lnSpc>
@@ -6152,7 +6315,7 @@
           <a:srgbClr val="000000"/>
         </a:buClr>
         <a:buFont typeface="Arial"/>
-        <a:defRPr b="0" i="0" sz="1400" u="none" cap="none" strike="noStrike">
+        <a:defRPr sz="1400" b="0" i="0" u="none" strike="noStrike" cap="none">
           <a:solidFill>
             <a:srgbClr val="000000"/>
           </a:solidFill>
@@ -6162,7 +6325,7 @@
           <a:sym typeface="Arial"/>
         </a:defRPr>
       </a:lvl3pPr>
-      <a:lvl4pPr lvl="3" marR="0" rtl="0" algn="l">
+      <a:lvl4pPr marR="0" lvl="3" algn="l" rtl="0">
         <a:lnSpc>
           <a:spcPct val="100000"/>
         </a:lnSpc>
@@ -6176,7 +6339,7 @@
           <a:srgbClr val="000000"/>
         </a:buClr>
         <a:buFont typeface="Arial"/>
-        <a:defRPr b="0" i="0" sz="1400" u="none" cap="none" strike="noStrike">
+        <a:defRPr sz="1400" b="0" i="0" u="none" strike="noStrike" cap="none">
           <a:solidFill>
             <a:srgbClr val="000000"/>
           </a:solidFill>
@@ -6186,7 +6349,7 @@
           <a:sym typeface="Arial"/>
         </a:defRPr>
       </a:lvl4pPr>
-      <a:lvl5pPr lvl="4" marR="0" rtl="0" algn="l">
+      <a:lvl5pPr marR="0" lvl="4" algn="l" rtl="0">
         <a:lnSpc>
           <a:spcPct val="100000"/>
         </a:lnSpc>
@@ -6200,7 +6363,7 @@
           <a:srgbClr val="000000"/>
         </a:buClr>
         <a:buFont typeface="Arial"/>
-        <a:defRPr b="0" i="0" sz="1400" u="none" cap="none" strike="noStrike">
+        <a:defRPr sz="1400" b="0" i="0" u="none" strike="noStrike" cap="none">
           <a:solidFill>
             <a:srgbClr val="000000"/>
           </a:solidFill>
@@ -6210,7 +6373,7 @@
           <a:sym typeface="Arial"/>
         </a:defRPr>
       </a:lvl5pPr>
-      <a:lvl6pPr lvl="5" marR="0" rtl="0" algn="l">
+      <a:lvl6pPr marR="0" lvl="5" algn="l" rtl="0">
         <a:lnSpc>
           <a:spcPct val="100000"/>
         </a:lnSpc>
@@ -6224,7 +6387,7 @@
           <a:srgbClr val="000000"/>
         </a:buClr>
         <a:buFont typeface="Arial"/>
-        <a:defRPr b="0" i="0" sz="1400" u="none" cap="none" strike="noStrike">
+        <a:defRPr sz="1400" b="0" i="0" u="none" strike="noStrike" cap="none">
           <a:solidFill>
             <a:srgbClr val="000000"/>
           </a:solidFill>
@@ -6234,7 +6397,7 @@
           <a:sym typeface="Arial"/>
         </a:defRPr>
       </a:lvl6pPr>
-      <a:lvl7pPr lvl="6" marR="0" rtl="0" algn="l">
+      <a:lvl7pPr marR="0" lvl="6" algn="l" rtl="0">
         <a:lnSpc>
           <a:spcPct val="100000"/>
         </a:lnSpc>
@@ -6248,7 +6411,7 @@
           <a:srgbClr val="000000"/>
         </a:buClr>
         <a:buFont typeface="Arial"/>
-        <a:defRPr b="0" i="0" sz="1400" u="none" cap="none" strike="noStrike">
+        <a:defRPr sz="1400" b="0" i="0" u="none" strike="noStrike" cap="none">
           <a:solidFill>
             <a:srgbClr val="000000"/>
           </a:solidFill>
@@ -6258,7 +6421,7 @@
           <a:sym typeface="Arial"/>
         </a:defRPr>
       </a:lvl7pPr>
-      <a:lvl8pPr lvl="7" marR="0" rtl="0" algn="l">
+      <a:lvl8pPr marR="0" lvl="7" algn="l" rtl="0">
         <a:lnSpc>
           <a:spcPct val="100000"/>
         </a:lnSpc>
@@ -6272,7 +6435,7 @@
           <a:srgbClr val="000000"/>
         </a:buClr>
         <a:buFont typeface="Arial"/>
-        <a:defRPr b="0" i="0" sz="1400" u="none" cap="none" strike="noStrike">
+        <a:defRPr sz="1400" b="0" i="0" u="none" strike="noStrike" cap="none">
           <a:solidFill>
             <a:srgbClr val="000000"/>
           </a:solidFill>
@@ -6282,7 +6445,7 @@
           <a:sym typeface="Arial"/>
         </a:defRPr>
       </a:lvl8pPr>
-      <a:lvl9pPr lvl="8" marR="0" rtl="0" algn="l">
+      <a:lvl9pPr marR="0" lvl="8" algn="l" rtl="0">
         <a:lnSpc>
           <a:spcPct val="100000"/>
         </a:lnSpc>
@@ -6296,7 +6459,7 @@
           <a:srgbClr val="000000"/>
         </a:buClr>
         <a:buFont typeface="Arial"/>
-        <a:defRPr b="0" i="0" sz="1400" u="none" cap="none" strike="noStrike">
+        <a:defRPr sz="1400" b="0" i="0" u="none" strike="noStrike" cap="none">
           <a:solidFill>
             <a:srgbClr val="000000"/>
           </a:solidFill>
@@ -6312,18 +6475,19 @@
 </file>
 
 <file path=ppt/slides/slide1.xml><?xml version="1.0" encoding="utf-8"?>
-<p:sld xmlns:a="http://schemas.openxmlformats.org/drawingml/2006/main" xmlns:r="http://schemas.openxmlformats.org/officeDocument/2006/relationships" xmlns:mc="http://schemas.openxmlformats.org/markup-compatibility/2006" xmlns:mv="urn:schemas-microsoft-com:mac:vml" xmlns:p="http://schemas.openxmlformats.org/presentationml/2006/main" xmlns:c="http://schemas.openxmlformats.org/drawingml/2006/chart" xmlns:dgm="http://schemas.openxmlformats.org/drawingml/2006/diagram" xmlns:o="urn:schemas-microsoft-com:office:office" xmlns:v="urn:schemas-microsoft-com:vml" xmlns:pvml="urn:schemas-microsoft-com:office:powerpoint" xmlns:com="http://schemas.openxmlformats.org/drawingml/2006/compatibility" xmlns:p14="http://schemas.microsoft.com/office/powerpoint/2010/main" xmlns:p15="http://schemas.microsoft.com/office/powerpoint/2012/main" xmlns:ahyp="http://schemas.microsoft.com/office/drawing/2018/hyperlinkcolor">
+<p:sld xmlns:a="http://schemas.openxmlformats.org/drawingml/2006/main" xmlns:r="http://schemas.openxmlformats.org/officeDocument/2006/relationships" xmlns:p="http://schemas.openxmlformats.org/presentationml/2006/main">
   <p:cSld>
     <p:bg>
       <p:bgPr>
         <a:solidFill>
           <a:srgbClr val="000000"/>
         </a:solidFill>
+        <a:effectLst/>
       </p:bgPr>
     </p:bg>
     <p:spTree>
       <p:nvGrpSpPr>
-        <p:cNvPr id="55" name="Shape 55"/>
+        <p:cNvPr id="1" name="Shape 55"/>
         <p:cNvGrpSpPr/>
         <p:nvPr/>
       </p:nvGrpSpPr>
@@ -6338,7 +6502,9 @@
       <p:sp>
         <p:nvSpPr>
           <p:cNvPr id="56" name="Google Shape;56;p13"/>
-          <p:cNvSpPr txBox="1"/>
+          <p:cNvSpPr txBox="1">
+            <a:spLocks noGrp="1"/>
+          </p:cNvSpPr>
           <p:nvPr>
             <p:ph type="title"/>
           </p:nvPr>
@@ -6353,12 +6519,12 @@
           </a:prstGeom>
         </p:spPr>
         <p:txBody>
-          <a:bodyPr anchorCtr="0" anchor="b" bIns="91425" lIns="91425" spcFirstLastPara="1" rIns="91425" wrap="square" tIns="91425">
+          <a:bodyPr spcFirstLastPara="1" wrap="square" lIns="91425" tIns="91425" rIns="91425" bIns="91425" anchor="b" anchorCtr="0">
             <a:normAutofit fontScale="90000"/>
           </a:bodyPr>
           <a:lstStyle/>
           <a:p>
-            <a:pPr indent="0" lvl="0" marL="0" rtl="0" algn="l">
+            <a:pPr marL="0" lvl="0" indent="0" algn="l" rtl="0">
               <a:spcBef>
                 <a:spcPts val="0"/>
               </a:spcBef>
@@ -6394,18 +6560,19 @@
 </file>
 
 <file path=ppt/slides/slide2.xml><?xml version="1.0" encoding="utf-8"?>
-<p:sld xmlns:a="http://schemas.openxmlformats.org/drawingml/2006/main" xmlns:r="http://schemas.openxmlformats.org/officeDocument/2006/relationships" xmlns:mc="http://schemas.openxmlformats.org/markup-compatibility/2006" xmlns:mv="urn:schemas-microsoft-com:mac:vml" xmlns:p="http://schemas.openxmlformats.org/presentationml/2006/main" xmlns:c="http://schemas.openxmlformats.org/drawingml/2006/chart" xmlns:dgm="http://schemas.openxmlformats.org/drawingml/2006/diagram" xmlns:o="urn:schemas-microsoft-com:office:office" xmlns:v="urn:schemas-microsoft-com:vml" xmlns:pvml="urn:schemas-microsoft-com:office:powerpoint" xmlns:com="http://schemas.openxmlformats.org/drawingml/2006/compatibility" xmlns:p14="http://schemas.microsoft.com/office/powerpoint/2010/main" xmlns:p15="http://schemas.microsoft.com/office/powerpoint/2012/main" xmlns:ahyp="http://schemas.microsoft.com/office/drawing/2018/hyperlinkcolor">
+<p:sld xmlns:a="http://schemas.openxmlformats.org/drawingml/2006/main" xmlns:r="http://schemas.openxmlformats.org/officeDocument/2006/relationships" xmlns:p="http://schemas.openxmlformats.org/presentationml/2006/main">
   <p:cSld>
     <p:bg>
       <p:bgPr>
         <a:solidFill>
           <a:srgbClr val="070707"/>
         </a:solidFill>
+        <a:effectLst/>
       </p:bgPr>
     </p:bg>
     <p:spTree>
       <p:nvGrpSpPr>
-        <p:cNvPr id="60" name="Shape 60"/>
+        <p:cNvPr id="1" name="Shape 60"/>
         <p:cNvGrpSpPr/>
         <p:nvPr/>
       </p:nvGrpSpPr>
@@ -6420,7 +6587,9 @@
       <p:sp>
         <p:nvSpPr>
           <p:cNvPr id="61" name="Google Shape;61;p14"/>
-          <p:cNvSpPr txBox="1"/>
+          <p:cNvSpPr txBox="1">
+            <a:spLocks noGrp="1"/>
+          </p:cNvSpPr>
           <p:nvPr>
             <p:ph type="title"/>
           </p:nvPr>
@@ -6435,12 +6604,12 @@
           </a:prstGeom>
         </p:spPr>
         <p:txBody>
-          <a:bodyPr anchorCtr="0" anchor="t" bIns="91425" lIns="91425" spcFirstLastPara="1" rIns="91425" wrap="square" tIns="91425">
+          <a:bodyPr spcFirstLastPara="1" wrap="square" lIns="91425" tIns="91425" rIns="91425" bIns="91425" anchor="t" anchorCtr="0">
             <a:normAutofit fontScale="90000"/>
           </a:bodyPr>
           <a:lstStyle/>
           <a:p>
-            <a:pPr indent="0" lvl="0" marL="0" rtl="0" algn="l">
+            <a:pPr marL="0" lvl="0" indent="0" algn="l" rtl="0">
               <a:spcBef>
                 <a:spcPts val="0"/>
               </a:spcBef>
@@ -6477,7 +6646,7 @@
           <a:blip r:embed="rId3">
             <a:alphaModFix/>
           </a:blip>
-          <a:srcRect b="8157" l="23982" r="25122" t="27916"/>
+          <a:srcRect l="23982" t="27916" r="25122" b="8157"/>
           <a:stretch/>
         </p:blipFill>
         <p:spPr>
@@ -6503,18 +6672,19 @@
 </file>
 
 <file path=ppt/slides/slide3.xml><?xml version="1.0" encoding="utf-8"?>
-<p:sld xmlns:a="http://schemas.openxmlformats.org/drawingml/2006/main" xmlns:r="http://schemas.openxmlformats.org/officeDocument/2006/relationships" xmlns:mc="http://schemas.openxmlformats.org/markup-compatibility/2006" xmlns:mv="urn:schemas-microsoft-com:mac:vml" xmlns:p="http://schemas.openxmlformats.org/presentationml/2006/main" xmlns:c="http://schemas.openxmlformats.org/drawingml/2006/chart" xmlns:dgm="http://schemas.openxmlformats.org/drawingml/2006/diagram" xmlns:o="urn:schemas-microsoft-com:office:office" xmlns:v="urn:schemas-microsoft-com:vml" xmlns:pvml="urn:schemas-microsoft-com:office:powerpoint" xmlns:com="http://schemas.openxmlformats.org/drawingml/2006/compatibility" xmlns:p14="http://schemas.microsoft.com/office/powerpoint/2010/main" xmlns:p15="http://schemas.microsoft.com/office/powerpoint/2012/main" xmlns:ahyp="http://schemas.microsoft.com/office/drawing/2018/hyperlinkcolor">
+<p:sld xmlns:a="http://schemas.openxmlformats.org/drawingml/2006/main" xmlns:r="http://schemas.openxmlformats.org/officeDocument/2006/relationships" xmlns:p="http://schemas.openxmlformats.org/presentationml/2006/main">
   <p:cSld>
     <p:bg>
       <p:bgPr>
         <a:solidFill>
           <a:srgbClr val="070707"/>
         </a:solidFill>
+        <a:effectLst/>
       </p:bgPr>
     </p:bg>
     <p:spTree>
       <p:nvGrpSpPr>
-        <p:cNvPr id="66" name="Shape 66"/>
+        <p:cNvPr id="1" name="Shape 66"/>
         <p:cNvGrpSpPr/>
         <p:nvPr/>
       </p:nvGrpSpPr>
@@ -6529,7 +6699,9 @@
       <p:sp>
         <p:nvSpPr>
           <p:cNvPr id="67" name="Google Shape;67;p15"/>
-          <p:cNvSpPr txBox="1"/>
+          <p:cNvSpPr txBox="1">
+            <a:spLocks noGrp="1"/>
+          </p:cNvSpPr>
           <p:nvPr>
             <p:ph type="title"/>
           </p:nvPr>
@@ -6544,12 +6716,12 @@
           </a:prstGeom>
         </p:spPr>
         <p:txBody>
-          <a:bodyPr anchorCtr="0" anchor="t" bIns="91425" lIns="91425" spcFirstLastPara="1" rIns="91425" wrap="square" tIns="91425">
+          <a:bodyPr spcFirstLastPara="1" wrap="square" lIns="91425" tIns="91425" rIns="91425" bIns="91425" anchor="t" anchorCtr="0">
             <a:normAutofit fontScale="90000"/>
           </a:bodyPr>
           <a:lstStyle/>
           <a:p>
-            <a:pPr indent="0" lvl="0" marL="0" rtl="0" algn="l">
+            <a:pPr marL="0" lvl="0" indent="0" algn="l" rtl="0">
               <a:spcBef>
                 <a:spcPts val="0"/>
               </a:spcBef>
@@ -6576,7 +6748,7 @@
           <a:blip r:embed="rId3">
             <a:alphaModFix/>
           </a:blip>
-          <a:srcRect b="8048" l="23922" r="30658" t="20973"/>
+          <a:srcRect l="23922" t="20973" r="30658" b="8048"/>
           <a:stretch/>
         </p:blipFill>
         <p:spPr>
@@ -6602,18 +6774,19 @@
 </file>
 
 <file path=ppt/slides/slide4.xml><?xml version="1.0" encoding="utf-8"?>
-<p:sld xmlns:a="http://schemas.openxmlformats.org/drawingml/2006/main" xmlns:r="http://schemas.openxmlformats.org/officeDocument/2006/relationships" xmlns:mc="http://schemas.openxmlformats.org/markup-compatibility/2006" xmlns:mv="urn:schemas-microsoft-com:mac:vml" xmlns:p="http://schemas.openxmlformats.org/presentationml/2006/main" xmlns:c="http://schemas.openxmlformats.org/drawingml/2006/chart" xmlns:dgm="http://schemas.openxmlformats.org/drawingml/2006/diagram" xmlns:o="urn:schemas-microsoft-com:office:office" xmlns:v="urn:schemas-microsoft-com:vml" xmlns:pvml="urn:schemas-microsoft-com:office:powerpoint" xmlns:com="http://schemas.openxmlformats.org/drawingml/2006/compatibility" xmlns:p14="http://schemas.microsoft.com/office/powerpoint/2010/main" xmlns:p15="http://schemas.microsoft.com/office/powerpoint/2012/main" xmlns:ahyp="http://schemas.microsoft.com/office/drawing/2018/hyperlinkcolor">
+<p:sld xmlns:a="http://schemas.openxmlformats.org/drawingml/2006/main" xmlns:r="http://schemas.openxmlformats.org/officeDocument/2006/relationships" xmlns:p="http://schemas.openxmlformats.org/presentationml/2006/main">
   <p:cSld>
     <p:bg>
       <p:bgPr>
         <a:solidFill>
           <a:srgbClr val="070707"/>
         </a:solidFill>
+        <a:effectLst/>
       </p:bgPr>
     </p:bg>
     <p:spTree>
       <p:nvGrpSpPr>
-        <p:cNvPr id="72" name="Shape 72"/>
+        <p:cNvPr id="1" name="Shape 72"/>
         <p:cNvGrpSpPr/>
         <p:nvPr/>
       </p:nvGrpSpPr>
@@ -6628,7 +6801,9 @@
       <p:sp>
         <p:nvSpPr>
           <p:cNvPr id="73" name="Google Shape;73;p16"/>
-          <p:cNvSpPr txBox="1"/>
+          <p:cNvSpPr txBox="1">
+            <a:spLocks noGrp="1"/>
+          </p:cNvSpPr>
           <p:nvPr>
             <p:ph type="title"/>
           </p:nvPr>
@@ -6643,12 +6818,12 @@
           </a:prstGeom>
         </p:spPr>
         <p:txBody>
-          <a:bodyPr anchorCtr="0" anchor="t" bIns="91425" lIns="91425" spcFirstLastPara="1" rIns="91425" wrap="square" tIns="91425">
+          <a:bodyPr spcFirstLastPara="1" wrap="square" lIns="91425" tIns="91425" rIns="91425" bIns="91425" anchor="t" anchorCtr="0">
             <a:normAutofit fontScale="90000"/>
           </a:bodyPr>
           <a:lstStyle/>
           <a:p>
-            <a:pPr indent="0" lvl="0" marL="0" rtl="0" algn="l">
+            <a:pPr marL="0" lvl="0" indent="0" algn="l" rtl="0">
               <a:spcBef>
                 <a:spcPts val="0"/>
               </a:spcBef>
@@ -6685,7 +6860,7 @@
           <a:blip r:embed="rId3">
             <a:alphaModFix/>
           </a:blip>
-          <a:srcRect b="18610" l="12009" r="14129" t="31170"/>
+          <a:srcRect l="12009" t="31170" r="14129" b="18610"/>
           <a:stretch/>
         </p:blipFill>
         <p:spPr>
@@ -6710,8 +6885,380 @@
 </p:sld>
 </file>
 
+<file path=ppt/slides/slide5.xml><?xml version="1.0" encoding="utf-8"?>
+<p:sld xmlns:a="http://schemas.openxmlformats.org/drawingml/2006/main" xmlns:r="http://schemas.openxmlformats.org/officeDocument/2006/relationships" xmlns:p="http://schemas.openxmlformats.org/presentationml/2006/main">
+  <p:cSld>
+    <p:spTree>
+      <p:nvGrpSpPr>
+        <p:cNvPr id="1" name=""/>
+        <p:cNvGrpSpPr/>
+        <p:nvPr/>
+      </p:nvGrpSpPr>
+      <p:grpSpPr>
+        <a:xfrm>
+          <a:off x="0" y="0"/>
+          <a:ext cx="0" cy="0"/>
+          <a:chOff x="0" y="0"/>
+          <a:chExt cx="0" cy="0"/>
+        </a:xfrm>
+      </p:grpSpPr>
+      <p:sp>
+        <p:nvSpPr>
+          <p:cNvPr id="2" name="Заголовок 1"/>
+          <p:cNvSpPr>
+            <a:spLocks noGrp="1"/>
+          </p:cNvSpPr>
+          <p:nvPr>
+            <p:ph type="title"/>
+          </p:nvPr>
+        </p:nvSpPr>
+        <p:spPr/>
+        <p:txBody>
+          <a:bodyPr>
+            <a:normAutofit fontScale="90000"/>
+          </a:bodyPr>
+          <a:lstStyle/>
+          <a:p>
+            <a:r>
+              <a:rPr lang="ru-RU" dirty="0" smtClean="0">
+                <a:latin typeface="Times New Roman" panose="02020603050405020304" pitchFamily="18" charset="0"/>
+                <a:cs typeface="Times New Roman" panose="02020603050405020304" pitchFamily="18" charset="0"/>
+              </a:rPr>
+              <a:t>Ссылка на </a:t>
+            </a:r>
+            <a:r>
+              <a:rPr lang="en-US" dirty="0" smtClean="0">
+                <a:latin typeface="Times New Roman" panose="02020603050405020304" pitchFamily="18" charset="0"/>
+                <a:cs typeface="Times New Roman" panose="02020603050405020304" pitchFamily="18" charset="0"/>
+              </a:rPr>
+              <a:t>screen cast</a:t>
+            </a:r>
+            <a:endParaRPr lang="ru-RU" dirty="0">
+              <a:latin typeface="Times New Roman" panose="02020603050405020304" pitchFamily="18" charset="0"/>
+              <a:cs typeface="Times New Roman" panose="02020603050405020304" pitchFamily="18" charset="0"/>
+            </a:endParaRPr>
+          </a:p>
+        </p:txBody>
+      </p:sp>
+      <p:sp>
+        <p:nvSpPr>
+          <p:cNvPr id="3" name="Текст 2"/>
+          <p:cNvSpPr>
+            <a:spLocks noGrp="1"/>
+          </p:cNvSpPr>
+          <p:nvPr>
+            <p:ph type="body" idx="1"/>
+          </p:nvPr>
+        </p:nvSpPr>
+        <p:spPr/>
+        <p:txBody>
+          <a:bodyPr/>
+          <a:lstStyle/>
+          <a:p>
+            <a:r>
+              <a:rPr lang="en-US" dirty="0"/>
+              <a:t>https://disk.yandex.ru/i/8wPfLxJCmcZiWg</a:t>
+            </a:r>
+            <a:endParaRPr lang="ru-RU" dirty="0"/>
+          </a:p>
+        </p:txBody>
+      </p:sp>
+    </p:spTree>
+    <p:extLst>
+      <p:ext uri="{BB962C8B-B14F-4D97-AF65-F5344CB8AC3E}">
+        <p14:creationId xmlns:p14="http://schemas.microsoft.com/office/powerpoint/2010/main" val="3220456519"/>
+      </p:ext>
+    </p:extLst>
+  </p:cSld>
+  <p:clrMapOvr>
+    <a:masterClrMapping/>
+  </p:clrMapOvr>
+</p:sld>
+</file>
+
 <file path=ppt/theme/theme1.xml><?xml version="1.0" encoding="utf-8"?>
-<a:theme xmlns:a="http://schemas.openxmlformats.org/drawingml/2006/main" xmlns:r="http://schemas.openxmlformats.org/officeDocument/2006/relationships">
+<a:theme xmlns:a="http://schemas.openxmlformats.org/drawingml/2006/main" name="Gameday">
+  <a:themeElements>
+    <a:clrScheme name="Gameday">
+      <a:dk1>
+        <a:srgbClr val="4285F4"/>
+      </a:dk1>
+      <a:lt1>
+        <a:srgbClr val="FFFFFF"/>
+      </a:lt1>
+      <a:dk2>
+        <a:srgbClr val="666666"/>
+      </a:dk2>
+      <a:lt2>
+        <a:srgbClr val="D9D9D9"/>
+      </a:lt2>
+      <a:accent1>
+        <a:srgbClr val="455A64"/>
+      </a:accent1>
+      <a:accent2>
+        <a:srgbClr val="607D8B"/>
+      </a:accent2>
+      <a:accent3>
+        <a:srgbClr val="FF5722"/>
+      </a:accent3>
+      <a:accent4>
+        <a:srgbClr val="D84315"/>
+      </a:accent4>
+      <a:accent5>
+        <a:srgbClr val="1C3AA9"/>
+      </a:accent5>
+      <a:accent6>
+        <a:srgbClr val="FFAB40"/>
+      </a:accent6>
+      <a:hlink>
+        <a:srgbClr val="1C3AA9"/>
+      </a:hlink>
+      <a:folHlink>
+        <a:srgbClr val="1C3AA9"/>
+      </a:folHlink>
+    </a:clrScheme>
+    <a:fontScheme name="Office">
+      <a:majorFont>
+        <a:latin typeface="Arial"/>
+        <a:ea typeface=""/>
+        <a:cs typeface=""/>
+        <a:font script="Jpan" typeface="ＭＳ Ｐゴシック"/>
+        <a:font script="Hang" typeface="맑은 고딕"/>
+        <a:font script="Hans" typeface="宋体"/>
+        <a:font script="Hant" typeface="新細明體"/>
+        <a:font script="Arab" typeface="Times New Roman"/>
+        <a:font script="Hebr" typeface="Times New Roman"/>
+        <a:font script="Thai" typeface="Angsana New"/>
+        <a:font script="Ethi" typeface="Nyala"/>
+        <a:font script="Beng" typeface="Vrinda"/>
+        <a:font script="Gujr" typeface="Shruti"/>
+        <a:font script="Khmr" typeface="MoolBoran"/>
+        <a:font script="Knda" typeface="Tunga"/>
+        <a:font script="Guru" typeface="Raavi"/>
+        <a:font script="Cans" typeface="Euphemia"/>
+        <a:font script="Cher" typeface="Plantagenet Cherokee"/>
+        <a:font script="Yiii" typeface="Microsoft Yi Baiti"/>
+        <a:font script="Tibt" typeface="Microsoft Himalaya"/>
+        <a:font script="Thaa" typeface="MV Boli"/>
+        <a:font script="Deva" typeface="Mangal"/>
+        <a:font script="Telu" typeface="Gautami"/>
+        <a:font script="Taml" typeface="Latha"/>
+        <a:font script="Syrc" typeface="Estrangelo Edessa"/>
+        <a:font script="Orya" typeface="Kalinga"/>
+        <a:font script="Mlym" typeface="Kartika"/>
+        <a:font script="Laoo" typeface="DokChampa"/>
+        <a:font script="Sinh" typeface="Iskoola Pota"/>
+        <a:font script="Mong" typeface="Mongolian Baiti"/>
+        <a:font script="Viet" typeface="Times New Roman"/>
+        <a:font script="Uigh" typeface="Microsoft Uighur"/>
+        <a:font script="Geor" typeface="Sylfaen"/>
+      </a:majorFont>
+      <a:minorFont>
+        <a:latin typeface="Arial"/>
+        <a:ea typeface=""/>
+        <a:cs typeface=""/>
+        <a:font script="Jpan" typeface="ＭＳ Ｐゴシック"/>
+        <a:font script="Hang" typeface="맑은 고딕"/>
+        <a:font script="Hans" typeface="宋体"/>
+        <a:font script="Hant" typeface="新細明體"/>
+        <a:font script="Arab" typeface="Arial"/>
+        <a:font script="Hebr" typeface="Arial"/>
+        <a:font script="Thai" typeface="Cordia New"/>
+        <a:font script="Ethi" typeface="Nyala"/>
+        <a:font script="Beng" typeface="Vrinda"/>
+        <a:font script="Gujr" typeface="Shruti"/>
+        <a:font script="Khmr" typeface="DaunPenh"/>
+        <a:font script="Knda" typeface="Tunga"/>
+        <a:font script="Guru" typeface="Raavi"/>
+        <a:font script="Cans" typeface="Euphemia"/>
+        <a:font script="Cher" typeface="Plantagenet Cherokee"/>
+        <a:font script="Yiii" typeface="Microsoft Yi Baiti"/>
+        <a:font script="Tibt" typeface="Microsoft Himalaya"/>
+        <a:font script="Thaa" typeface="MV Boli"/>
+        <a:font script="Deva" typeface="Mangal"/>
+        <a:font script="Telu" typeface="Gautami"/>
+        <a:font script="Taml" typeface="Latha"/>
+        <a:font script="Syrc" typeface="Estrangelo Edessa"/>
+        <a:font script="Orya" typeface="Kalinga"/>
+        <a:font script="Mlym" typeface="Kartika"/>
+        <a:font script="Laoo" typeface="DokChampa"/>
+        <a:font script="Sinh" typeface="Iskoola Pota"/>
+        <a:font script="Mong" typeface="Mongolian Baiti"/>
+        <a:font script="Viet" typeface="Arial"/>
+        <a:font script="Uigh" typeface="Microsoft Uighur"/>
+        <a:font script="Geor" typeface="Sylfaen"/>
+      </a:minorFont>
+    </a:fontScheme>
+    <a:fmtScheme name="Office">
+      <a:fillStyleLst>
+        <a:solidFill>
+          <a:schemeClr val="phClr"/>
+        </a:solidFill>
+        <a:gradFill rotWithShape="1">
+          <a:gsLst>
+            <a:gs pos="0">
+              <a:schemeClr val="phClr">
+                <a:tint val="50000"/>
+                <a:satMod val="300000"/>
+              </a:schemeClr>
+            </a:gs>
+            <a:gs pos="35000">
+              <a:schemeClr val="phClr">
+                <a:tint val="37000"/>
+                <a:satMod val="300000"/>
+              </a:schemeClr>
+            </a:gs>
+            <a:gs pos="100000">
+              <a:schemeClr val="phClr">
+                <a:tint val="15000"/>
+                <a:satMod val="350000"/>
+              </a:schemeClr>
+            </a:gs>
+          </a:gsLst>
+          <a:lin ang="16200000" scaled="1"/>
+        </a:gradFill>
+        <a:gradFill rotWithShape="1">
+          <a:gsLst>
+            <a:gs pos="0">
+              <a:schemeClr val="phClr">
+                <a:tint val="100000"/>
+                <a:shade val="100000"/>
+                <a:satMod val="130000"/>
+              </a:schemeClr>
+            </a:gs>
+            <a:gs pos="100000">
+              <a:schemeClr val="phClr">
+                <a:tint val="50000"/>
+                <a:shade val="100000"/>
+                <a:satMod val="350000"/>
+              </a:schemeClr>
+            </a:gs>
+          </a:gsLst>
+          <a:lin ang="16200000" scaled="0"/>
+        </a:gradFill>
+      </a:fillStyleLst>
+      <a:lnStyleLst>
+        <a:ln w="9525" cap="flat" cmpd="sng" algn="ctr">
+          <a:solidFill>
+            <a:schemeClr val="phClr">
+              <a:shade val="95000"/>
+              <a:satMod val="105000"/>
+            </a:schemeClr>
+          </a:solidFill>
+          <a:prstDash val="solid"/>
+        </a:ln>
+        <a:ln w="25400" cap="flat" cmpd="sng" algn="ctr">
+          <a:solidFill>
+            <a:schemeClr val="phClr"/>
+          </a:solidFill>
+          <a:prstDash val="solid"/>
+        </a:ln>
+        <a:ln w="38100" cap="flat" cmpd="sng" algn="ctr">
+          <a:solidFill>
+            <a:schemeClr val="phClr"/>
+          </a:solidFill>
+          <a:prstDash val="solid"/>
+        </a:ln>
+      </a:lnStyleLst>
+      <a:effectStyleLst>
+        <a:effectStyle>
+          <a:effectLst>
+            <a:outerShdw blurRad="40000" dist="20000" dir="5400000" rotWithShape="0">
+              <a:srgbClr val="000000">
+                <a:alpha val="38000"/>
+              </a:srgbClr>
+            </a:outerShdw>
+          </a:effectLst>
+        </a:effectStyle>
+        <a:effectStyle>
+          <a:effectLst>
+            <a:outerShdw blurRad="40000" dist="23000" dir="5400000" rotWithShape="0">
+              <a:srgbClr val="000000">
+                <a:alpha val="35000"/>
+              </a:srgbClr>
+            </a:outerShdw>
+          </a:effectLst>
+        </a:effectStyle>
+        <a:effectStyle>
+          <a:effectLst>
+            <a:outerShdw blurRad="40000" dist="23000" dir="5400000" rotWithShape="0">
+              <a:srgbClr val="000000">
+                <a:alpha val="35000"/>
+              </a:srgbClr>
+            </a:outerShdw>
+          </a:effectLst>
+          <a:scene3d>
+            <a:camera prst="orthographicFront">
+              <a:rot lat="0" lon="0" rev="0"/>
+            </a:camera>
+            <a:lightRig rig="threePt" dir="t">
+              <a:rot lat="0" lon="0" rev="1200000"/>
+            </a:lightRig>
+          </a:scene3d>
+          <a:sp3d>
+            <a:bevelT w="63500" h="25400"/>
+          </a:sp3d>
+        </a:effectStyle>
+      </a:effectStyleLst>
+      <a:bgFillStyleLst>
+        <a:solidFill>
+          <a:schemeClr val="phClr"/>
+        </a:solidFill>
+        <a:gradFill rotWithShape="1">
+          <a:gsLst>
+            <a:gs pos="0">
+              <a:schemeClr val="phClr">
+                <a:tint val="40000"/>
+                <a:satMod val="350000"/>
+              </a:schemeClr>
+            </a:gs>
+            <a:gs pos="40000">
+              <a:schemeClr val="phClr">
+                <a:tint val="45000"/>
+                <a:shade val="99000"/>
+                <a:satMod val="350000"/>
+              </a:schemeClr>
+            </a:gs>
+            <a:gs pos="100000">
+              <a:schemeClr val="phClr">
+                <a:shade val="20000"/>
+                <a:satMod val="255000"/>
+              </a:schemeClr>
+            </a:gs>
+          </a:gsLst>
+          <a:path path="circle">
+            <a:fillToRect l="50000" t="-80000" r="50000" b="180000"/>
+          </a:path>
+        </a:gradFill>
+        <a:gradFill rotWithShape="1">
+          <a:gsLst>
+            <a:gs pos="0">
+              <a:schemeClr val="phClr">
+                <a:tint val="80000"/>
+                <a:satMod val="300000"/>
+              </a:schemeClr>
+            </a:gs>
+            <a:gs pos="100000">
+              <a:schemeClr val="phClr">
+                <a:shade val="30000"/>
+                <a:satMod val="200000"/>
+              </a:schemeClr>
+            </a:gs>
+          </a:gsLst>
+          <a:path path="circle">
+            <a:fillToRect l="50000" t="50000" r="50000" b="50000"/>
+          </a:path>
+        </a:gradFill>
+      </a:bgFillStyleLst>
+    </a:fmtScheme>
+  </a:themeElements>
+  <a:objectDefaults/>
+  <a:extraClrSchemeLst/>
+</a:theme>
+</file>
+
+<file path=ppt/theme/theme2.xml><?xml version="1.0" encoding="utf-8"?>
+<a:theme xmlns:a="http://schemas.openxmlformats.org/drawingml/2006/main">
   <a:themeElements>
     <a:clrScheme name="Default">
       <a:dk1>
@@ -6986,284 +7533,7 @@
       </a:bgFillStyleLst>
     </a:fmtScheme>
   </a:themeElements>
-</a:theme>
-</file>
-
-<file path=ppt/theme/theme2.xml><?xml version="1.0" encoding="utf-8"?>
-<a:theme xmlns:a="http://schemas.openxmlformats.org/drawingml/2006/main" xmlns:r="http://schemas.openxmlformats.org/officeDocument/2006/relationships" name="Gameday">
-  <a:themeElements>
-    <a:clrScheme name="Gameday">
-      <a:dk1>
-        <a:srgbClr val="4285F4"/>
-      </a:dk1>
-      <a:lt1>
-        <a:srgbClr val="FFFFFF"/>
-      </a:lt1>
-      <a:dk2>
-        <a:srgbClr val="666666"/>
-      </a:dk2>
-      <a:lt2>
-        <a:srgbClr val="D9D9D9"/>
-      </a:lt2>
-      <a:accent1>
-        <a:srgbClr val="455A64"/>
-      </a:accent1>
-      <a:accent2>
-        <a:srgbClr val="607D8B"/>
-      </a:accent2>
-      <a:accent3>
-        <a:srgbClr val="FF5722"/>
-      </a:accent3>
-      <a:accent4>
-        <a:srgbClr val="D84315"/>
-      </a:accent4>
-      <a:accent5>
-        <a:srgbClr val="1C3AA9"/>
-      </a:accent5>
-      <a:accent6>
-        <a:srgbClr val="FFAB40"/>
-      </a:accent6>
-      <a:hlink>
-        <a:srgbClr val="1C3AA9"/>
-      </a:hlink>
-      <a:folHlink>
-        <a:srgbClr val="1C3AA9"/>
-      </a:folHlink>
-    </a:clrScheme>
-    <a:fontScheme name="Office">
-      <a:majorFont>
-        <a:latin typeface="Arial"/>
-        <a:ea typeface=""/>
-        <a:cs typeface=""/>
-        <a:font script="Jpan" typeface="ＭＳ Ｐゴシック"/>
-        <a:font script="Hang" typeface="맑은 고딕"/>
-        <a:font script="Hans" typeface="宋体"/>
-        <a:font script="Hant" typeface="新細明體"/>
-        <a:font script="Arab" typeface="Times New Roman"/>
-        <a:font script="Hebr" typeface="Times New Roman"/>
-        <a:font script="Thai" typeface="Angsana New"/>
-        <a:font script="Ethi" typeface="Nyala"/>
-        <a:font script="Beng" typeface="Vrinda"/>
-        <a:font script="Gujr" typeface="Shruti"/>
-        <a:font script="Khmr" typeface="MoolBoran"/>
-        <a:font script="Knda" typeface="Tunga"/>
-        <a:font script="Guru" typeface="Raavi"/>
-        <a:font script="Cans" typeface="Euphemia"/>
-        <a:font script="Cher" typeface="Plantagenet Cherokee"/>
-        <a:font script="Yiii" typeface="Microsoft Yi Baiti"/>
-        <a:font script="Tibt" typeface="Microsoft Himalaya"/>
-        <a:font script="Thaa" typeface="MV Boli"/>
-        <a:font script="Deva" typeface="Mangal"/>
-        <a:font script="Telu" typeface="Gautami"/>
-        <a:font script="Taml" typeface="Latha"/>
-        <a:font script="Syrc" typeface="Estrangelo Edessa"/>
-        <a:font script="Orya" typeface="Kalinga"/>
-        <a:font script="Mlym" typeface="Kartika"/>
-        <a:font script="Laoo" typeface="DokChampa"/>
-        <a:font script="Sinh" typeface="Iskoola Pota"/>
-        <a:font script="Mong" typeface="Mongolian Baiti"/>
-        <a:font script="Viet" typeface="Times New Roman"/>
-        <a:font script="Uigh" typeface="Microsoft Uighur"/>
-        <a:font script="Geor" typeface="Sylfaen"/>
-      </a:majorFont>
-      <a:minorFont>
-        <a:latin typeface="Arial"/>
-        <a:ea typeface=""/>
-        <a:cs typeface=""/>
-        <a:font script="Jpan" typeface="ＭＳ Ｐゴシック"/>
-        <a:font script="Hang" typeface="맑은 고딕"/>
-        <a:font script="Hans" typeface="宋体"/>
-        <a:font script="Hant" typeface="新細明體"/>
-        <a:font script="Arab" typeface="Arial"/>
-        <a:font script="Hebr" typeface="Arial"/>
-        <a:font script="Thai" typeface="Cordia New"/>
-        <a:font script="Ethi" typeface="Nyala"/>
-        <a:font script="Beng" typeface="Vrinda"/>
-        <a:font script="Gujr" typeface="Shruti"/>
-        <a:font script="Khmr" typeface="DaunPenh"/>
-        <a:font script="Knda" typeface="Tunga"/>
-        <a:font script="Guru" typeface="Raavi"/>
-        <a:font script="Cans" typeface="Euphemia"/>
-        <a:font script="Cher" typeface="Plantagenet Cherokee"/>
-        <a:font script="Yiii" typeface="Microsoft Yi Baiti"/>
-        <a:font script="Tibt" typeface="Microsoft Himalaya"/>
-        <a:font script="Thaa" typeface="MV Boli"/>
-        <a:font script="Deva" typeface="Mangal"/>
-        <a:font script="Telu" typeface="Gautami"/>
-        <a:font script="Taml" typeface="Latha"/>
-        <a:font script="Syrc" typeface="Estrangelo Edessa"/>
-        <a:font script="Orya" typeface="Kalinga"/>
-        <a:font script="Mlym" typeface="Kartika"/>
-        <a:font script="Laoo" typeface="DokChampa"/>
-        <a:font script="Sinh" typeface="Iskoola Pota"/>
-        <a:font script="Mong" typeface="Mongolian Baiti"/>
-        <a:font script="Viet" typeface="Arial"/>
-        <a:font script="Uigh" typeface="Microsoft Uighur"/>
-        <a:font script="Geor" typeface="Sylfaen"/>
-      </a:minorFont>
-    </a:fontScheme>
-    <a:fmtScheme name="Office">
-      <a:fillStyleLst>
-        <a:solidFill>
-          <a:schemeClr val="phClr"/>
-        </a:solidFill>
-        <a:gradFill rotWithShape="1">
-          <a:gsLst>
-            <a:gs pos="0">
-              <a:schemeClr val="phClr">
-                <a:tint val="50000"/>
-                <a:satMod val="300000"/>
-              </a:schemeClr>
-            </a:gs>
-            <a:gs pos="35000">
-              <a:schemeClr val="phClr">
-                <a:tint val="37000"/>
-                <a:satMod val="300000"/>
-              </a:schemeClr>
-            </a:gs>
-            <a:gs pos="100000">
-              <a:schemeClr val="phClr">
-                <a:tint val="15000"/>
-                <a:satMod val="350000"/>
-              </a:schemeClr>
-            </a:gs>
-          </a:gsLst>
-          <a:lin ang="16200000" scaled="1"/>
-        </a:gradFill>
-        <a:gradFill rotWithShape="1">
-          <a:gsLst>
-            <a:gs pos="0">
-              <a:schemeClr val="phClr">
-                <a:tint val="100000"/>
-                <a:shade val="100000"/>
-                <a:satMod val="130000"/>
-              </a:schemeClr>
-            </a:gs>
-            <a:gs pos="100000">
-              <a:schemeClr val="phClr">
-                <a:tint val="50000"/>
-                <a:shade val="100000"/>
-                <a:satMod val="350000"/>
-              </a:schemeClr>
-            </a:gs>
-          </a:gsLst>
-          <a:lin ang="16200000" scaled="0"/>
-        </a:gradFill>
-      </a:fillStyleLst>
-      <a:lnStyleLst>
-        <a:ln w="9525" cap="flat" cmpd="sng" algn="ctr">
-          <a:solidFill>
-            <a:schemeClr val="phClr">
-              <a:shade val="95000"/>
-              <a:satMod val="105000"/>
-            </a:schemeClr>
-          </a:solidFill>
-          <a:prstDash val="solid"/>
-        </a:ln>
-        <a:ln w="25400" cap="flat" cmpd="sng" algn="ctr">
-          <a:solidFill>
-            <a:schemeClr val="phClr"/>
-          </a:solidFill>
-          <a:prstDash val="solid"/>
-        </a:ln>
-        <a:ln w="38100" cap="flat" cmpd="sng" algn="ctr">
-          <a:solidFill>
-            <a:schemeClr val="phClr"/>
-          </a:solidFill>
-          <a:prstDash val="solid"/>
-        </a:ln>
-      </a:lnStyleLst>
-      <a:effectStyleLst>
-        <a:effectStyle>
-          <a:effectLst>
-            <a:outerShdw blurRad="40000" dist="20000" dir="5400000" rotWithShape="0">
-              <a:srgbClr val="000000">
-                <a:alpha val="38000"/>
-              </a:srgbClr>
-            </a:outerShdw>
-          </a:effectLst>
-        </a:effectStyle>
-        <a:effectStyle>
-          <a:effectLst>
-            <a:outerShdw blurRad="40000" dist="23000" dir="5400000" rotWithShape="0">
-              <a:srgbClr val="000000">
-                <a:alpha val="35000"/>
-              </a:srgbClr>
-            </a:outerShdw>
-          </a:effectLst>
-        </a:effectStyle>
-        <a:effectStyle>
-          <a:effectLst>
-            <a:outerShdw blurRad="40000" dist="23000" dir="5400000" rotWithShape="0">
-              <a:srgbClr val="000000">
-                <a:alpha val="35000"/>
-              </a:srgbClr>
-            </a:outerShdw>
-          </a:effectLst>
-          <a:scene3d>
-            <a:camera prst="orthographicFront">
-              <a:rot lat="0" lon="0" rev="0"/>
-            </a:camera>
-            <a:lightRig rig="threePt" dir="t">
-              <a:rot lat="0" lon="0" rev="1200000"/>
-            </a:lightRig>
-          </a:scene3d>
-          <a:sp3d>
-            <a:bevelT w="63500" h="25400"/>
-          </a:sp3d>
-        </a:effectStyle>
-      </a:effectStyleLst>
-      <a:bgFillStyleLst>
-        <a:solidFill>
-          <a:schemeClr val="phClr"/>
-        </a:solidFill>
-        <a:gradFill rotWithShape="1">
-          <a:gsLst>
-            <a:gs pos="0">
-              <a:schemeClr val="phClr">
-                <a:tint val="40000"/>
-                <a:satMod val="350000"/>
-              </a:schemeClr>
-            </a:gs>
-            <a:gs pos="40000">
-              <a:schemeClr val="phClr">
-                <a:tint val="45000"/>
-                <a:shade val="99000"/>
-                <a:satMod val="350000"/>
-              </a:schemeClr>
-            </a:gs>
-            <a:gs pos="100000">
-              <a:schemeClr val="phClr">
-                <a:shade val="20000"/>
-                <a:satMod val="255000"/>
-              </a:schemeClr>
-            </a:gs>
-          </a:gsLst>
-          <a:path path="circle">
-            <a:fillToRect l="50000" t="-80000" r="50000" b="180000"/>
-          </a:path>
-        </a:gradFill>
-        <a:gradFill rotWithShape="1">
-          <a:gsLst>
-            <a:gs pos="0">
-              <a:schemeClr val="phClr">
-                <a:tint val="80000"/>
-                <a:satMod val="300000"/>
-              </a:schemeClr>
-            </a:gs>
-            <a:gs pos="100000">
-              <a:schemeClr val="phClr">
-                <a:shade val="30000"/>
-                <a:satMod val="200000"/>
-              </a:schemeClr>
-            </a:gs>
-          </a:gsLst>
-          <a:path path="circle">
-            <a:fillToRect l="50000" t="50000" r="50000" b="50000"/>
-          </a:path>
-        </a:gradFill>
-      </a:bgFillStyleLst>
-    </a:fmtScheme>
-  </a:themeElements>
+  <a:objectDefaults/>
+  <a:extraClrSchemeLst/>
 </a:theme>
 </file>